--- a/Project 1.pptx
+++ b/Project 1.pptx
@@ -7,16 +7,17 @@
   <p:sldIdLst>
     <p:sldId id="256" r:id="rId2"/>
     <p:sldId id="257" r:id="rId3"/>
-    <p:sldId id="258" r:id="rId4"/>
-    <p:sldId id="259" r:id="rId5"/>
-    <p:sldId id="260" r:id="rId6"/>
-    <p:sldId id="261" r:id="rId7"/>
-    <p:sldId id="262" r:id="rId8"/>
-    <p:sldId id="263" r:id="rId9"/>
-    <p:sldId id="264" r:id="rId10"/>
-    <p:sldId id="265" r:id="rId11"/>
-    <p:sldId id="266" r:id="rId12"/>
-    <p:sldId id="267" r:id="rId13"/>
+    <p:sldId id="268" r:id="rId4"/>
+    <p:sldId id="258" r:id="rId5"/>
+    <p:sldId id="259" r:id="rId6"/>
+    <p:sldId id="260" r:id="rId7"/>
+    <p:sldId id="261" r:id="rId8"/>
+    <p:sldId id="262" r:id="rId9"/>
+    <p:sldId id="263" r:id="rId10"/>
+    <p:sldId id="264" r:id="rId11"/>
+    <p:sldId id="265" r:id="rId12"/>
+    <p:sldId id="266" r:id="rId13"/>
+    <p:sldId id="267" r:id="rId14"/>
   </p:sldIdLst>
   <p:sldSz cx="12192000" cy="6858000"/>
   <p:notesSz cx="6858000" cy="9144000"/>
@@ -115,6 +116,11 @@
       </a:defRPr>
     </a:lvl9pPr>
   </p:defaultTextStyle>
+  <p:extLst>
+    <p:ext uri="{EFAFB233-063F-42B5-8137-9DF3F51BA10A}">
+      <p15:sldGuideLst xmlns:p15="http://schemas.microsoft.com/office/powerpoint/2012/main"/>
+    </p:ext>
+  </p:extLst>
 </p:presentation>
 </file>
 
@@ -265,7 +271,7 @@
           <a:p>
             <a:fld id="{FE4D282D-4551-4BF8-87AE-B042B8EF0BAB}" type="datetimeFigureOut">
               <a:rPr lang="en-US" smtClean="0"/>
-              <a:t>6/8/2022</a:t>
+              <a:t>6/10/2022</a:t>
             </a:fld>
             <a:endParaRPr lang="en-US"/>
           </a:p>
@@ -463,7 +469,7 @@
           <a:p>
             <a:fld id="{FE4D282D-4551-4BF8-87AE-B042B8EF0BAB}" type="datetimeFigureOut">
               <a:rPr lang="en-US" smtClean="0"/>
-              <a:t>6/8/2022</a:t>
+              <a:t>6/10/2022</a:t>
             </a:fld>
             <a:endParaRPr lang="en-US"/>
           </a:p>
@@ -671,7 +677,7 @@
           <a:p>
             <a:fld id="{FE4D282D-4551-4BF8-87AE-B042B8EF0BAB}" type="datetimeFigureOut">
               <a:rPr lang="en-US" smtClean="0"/>
-              <a:t>6/8/2022</a:t>
+              <a:t>6/10/2022</a:t>
             </a:fld>
             <a:endParaRPr lang="en-US"/>
           </a:p>
@@ -869,7 +875,7 @@
           <a:p>
             <a:fld id="{FE4D282D-4551-4BF8-87AE-B042B8EF0BAB}" type="datetimeFigureOut">
               <a:rPr lang="en-US" smtClean="0"/>
-              <a:t>6/8/2022</a:t>
+              <a:t>6/10/2022</a:t>
             </a:fld>
             <a:endParaRPr lang="en-US"/>
           </a:p>
@@ -1144,7 +1150,7 @@
           <a:p>
             <a:fld id="{FE4D282D-4551-4BF8-87AE-B042B8EF0BAB}" type="datetimeFigureOut">
               <a:rPr lang="en-US" smtClean="0"/>
-              <a:t>6/8/2022</a:t>
+              <a:t>6/10/2022</a:t>
             </a:fld>
             <a:endParaRPr lang="en-US"/>
           </a:p>
@@ -1409,7 +1415,7 @@
           <a:p>
             <a:fld id="{FE4D282D-4551-4BF8-87AE-B042B8EF0BAB}" type="datetimeFigureOut">
               <a:rPr lang="en-US" smtClean="0"/>
-              <a:t>6/8/2022</a:t>
+              <a:t>6/10/2022</a:t>
             </a:fld>
             <a:endParaRPr lang="en-US"/>
           </a:p>
@@ -1821,7 +1827,7 @@
           <a:p>
             <a:fld id="{FE4D282D-4551-4BF8-87AE-B042B8EF0BAB}" type="datetimeFigureOut">
               <a:rPr lang="en-US" smtClean="0"/>
-              <a:t>6/8/2022</a:t>
+              <a:t>6/10/2022</a:t>
             </a:fld>
             <a:endParaRPr lang="en-US"/>
           </a:p>
@@ -1962,7 +1968,7 @@
           <a:p>
             <a:fld id="{FE4D282D-4551-4BF8-87AE-B042B8EF0BAB}" type="datetimeFigureOut">
               <a:rPr lang="en-US" smtClean="0"/>
-              <a:t>6/8/2022</a:t>
+              <a:t>6/10/2022</a:t>
             </a:fld>
             <a:endParaRPr lang="en-US"/>
           </a:p>
@@ -2075,7 +2081,7 @@
           <a:p>
             <a:fld id="{FE4D282D-4551-4BF8-87AE-B042B8EF0BAB}" type="datetimeFigureOut">
               <a:rPr lang="en-US" smtClean="0"/>
-              <a:t>6/8/2022</a:t>
+              <a:t>6/10/2022</a:t>
             </a:fld>
             <a:endParaRPr lang="en-US"/>
           </a:p>
@@ -2386,7 +2392,7 @@
           <a:p>
             <a:fld id="{FE4D282D-4551-4BF8-87AE-B042B8EF0BAB}" type="datetimeFigureOut">
               <a:rPr lang="en-US" smtClean="0"/>
-              <a:t>6/8/2022</a:t>
+              <a:t>6/10/2022</a:t>
             </a:fld>
             <a:endParaRPr lang="en-US"/>
           </a:p>
@@ -2674,7 +2680,7 @@
           <a:p>
             <a:fld id="{FE4D282D-4551-4BF8-87AE-B042B8EF0BAB}" type="datetimeFigureOut">
               <a:rPr lang="en-US" smtClean="0"/>
-              <a:t>6/8/2022</a:t>
+              <a:t>6/10/2022</a:t>
             </a:fld>
             <a:endParaRPr lang="en-US"/>
           </a:p>
@@ -2915,7 +2921,7 @@
           <a:p>
             <a:fld id="{FE4D282D-4551-4BF8-87AE-B042B8EF0BAB}" type="datetimeFigureOut">
               <a:rPr lang="en-US" smtClean="0"/>
-              <a:t>6/8/2022</a:t>
+              <a:t>6/10/2022</a:t>
             </a:fld>
             <a:endParaRPr lang="en-US"/>
           </a:p>
@@ -3555,7 +3561,7 @@
                 <a:effectLst/>
                 <a:latin typeface="-apple-system"/>
               </a:rPr>
-              <a:t>Does attendance/fill rate affect win margin? </a:t>
+              <a:t>Does attendance/fill rate affect home team winning?</a:t>
             </a:r>
           </a:p>
         </p:txBody>
@@ -3676,7 +3682,7 @@
     </p:spTree>
     <p:extLst>
       <p:ext uri="{BB962C8B-B14F-4D97-AF65-F5344CB8AC3E}">
-        <p14:creationId xmlns:p14="http://schemas.microsoft.com/office/powerpoint/2010/main" val="3256835435"/>
+        <p14:creationId xmlns:p14="http://schemas.microsoft.com/office/powerpoint/2010/main" val="198487671"/>
       </p:ext>
     </p:extLst>
   </p:cSld>
@@ -3765,7 +3771,7 @@
                 <a:effectLst/>
                 <a:latin typeface="-apple-system"/>
               </a:rPr>
-              <a:t>Does temperature affect total score?</a:t>
+              <a:t>Does attendance/fill rate affect win margin? </a:t>
             </a:r>
           </a:p>
         </p:txBody>
@@ -3886,6 +3892,216 @@
     </p:spTree>
     <p:extLst>
       <p:ext uri="{BB962C8B-B14F-4D97-AF65-F5344CB8AC3E}">
+        <p14:creationId xmlns:p14="http://schemas.microsoft.com/office/powerpoint/2010/main" val="3256835435"/>
+      </p:ext>
+    </p:extLst>
+  </p:cSld>
+  <p:clrMapOvr>
+    <a:masterClrMapping/>
+  </p:clrMapOvr>
+</p:sld>
+</file>
+
+<file path=ppt/slides/slide12.xml><?xml version="1.0" encoding="utf-8"?>
+<p:sld xmlns:a="http://schemas.openxmlformats.org/drawingml/2006/main" xmlns:r="http://schemas.openxmlformats.org/officeDocument/2006/relationships" xmlns:p="http://schemas.openxmlformats.org/presentationml/2006/main">
+  <p:cSld>
+    <p:spTree>
+      <p:nvGrpSpPr>
+        <p:cNvPr id="1" name=""/>
+        <p:cNvGrpSpPr/>
+        <p:nvPr/>
+      </p:nvGrpSpPr>
+      <p:grpSpPr>
+        <a:xfrm>
+          <a:off x="0" y="0"/>
+          <a:ext cx="0" cy="0"/>
+          <a:chOff x="0" y="0"/>
+          <a:chExt cx="0" cy="0"/>
+        </a:xfrm>
+      </p:grpSpPr>
+      <p:sp>
+        <p:nvSpPr>
+          <p:cNvPr id="2" name="Title 1">
+            <a:extLst>
+              <a:ext uri="{FF2B5EF4-FFF2-40B4-BE49-F238E27FC236}">
+                <a16:creationId xmlns:a16="http://schemas.microsoft.com/office/drawing/2014/main" id="{C1E6E6BD-479F-96B5-6A07-3FFF21CC6D73}"/>
+              </a:ext>
+            </a:extLst>
+          </p:cNvPr>
+          <p:cNvSpPr>
+            <a:spLocks noGrp="1"/>
+          </p:cNvSpPr>
+          <p:nvPr>
+            <p:ph type="title"/>
+          </p:nvPr>
+        </p:nvSpPr>
+        <p:spPr>
+          <a:xfrm>
+            <a:off x="1287812" y="365125"/>
+            <a:ext cx="10065987" cy="1325563"/>
+          </a:xfrm>
+        </p:spPr>
+        <p:txBody>
+          <a:bodyPr/>
+          <a:lstStyle/>
+          <a:p>
+            <a:r>
+              <a:rPr lang="en-US" dirty="0"/>
+              <a:t>Report Results</a:t>
+            </a:r>
+          </a:p>
+        </p:txBody>
+      </p:sp>
+      <p:sp>
+        <p:nvSpPr>
+          <p:cNvPr id="3" name="Content Placeholder 2">
+            <a:extLst>
+              <a:ext uri="{FF2B5EF4-FFF2-40B4-BE49-F238E27FC236}">
+                <a16:creationId xmlns:a16="http://schemas.microsoft.com/office/drawing/2014/main" id="{31321336-FD2F-82D3-6FC9-946AD68BBC15}"/>
+              </a:ext>
+            </a:extLst>
+          </p:cNvPr>
+          <p:cNvSpPr>
+            <a:spLocks noGrp="1"/>
+          </p:cNvSpPr>
+          <p:nvPr>
+            <p:ph idx="1"/>
+          </p:nvPr>
+        </p:nvSpPr>
+        <p:spPr/>
+        <p:txBody>
+          <a:bodyPr/>
+          <a:lstStyle/>
+          <a:p>
+            <a:r>
+              <a:rPr lang="en-US" b="0" i="0" dirty="0">
+                <a:solidFill>
+                  <a:srgbClr val="24292F"/>
+                </a:solidFill>
+                <a:effectLst/>
+                <a:latin typeface="-apple-system"/>
+              </a:rPr>
+              <a:t>Does temperature affect total score?</a:t>
+            </a:r>
+          </a:p>
+        </p:txBody>
+      </p:sp>
+      <p:sp>
+        <p:nvSpPr>
+          <p:cNvPr id="4" name="Flowchart: Connector 3">
+            <a:extLst>
+              <a:ext uri="{FF2B5EF4-FFF2-40B4-BE49-F238E27FC236}">
+                <a16:creationId xmlns:a16="http://schemas.microsoft.com/office/drawing/2014/main" id="{C850D8B2-9E0E-4A31-76B0-1A7BF2CDDD14}"/>
+              </a:ext>
+            </a:extLst>
+          </p:cNvPr>
+          <p:cNvSpPr/>
+          <p:nvPr/>
+        </p:nvSpPr>
+        <p:spPr>
+          <a:xfrm>
+            <a:off x="373413" y="510606"/>
+            <a:ext cx="914400" cy="914400"/>
+          </a:xfrm>
+          <a:prstGeom prst="flowChartConnector">
+            <a:avLst/>
+          </a:prstGeom>
+          <a:solidFill>
+            <a:schemeClr val="bg2"/>
+          </a:solidFill>
+          <a:ln w="19050">
+            <a:solidFill>
+              <a:schemeClr val="tx2"/>
+            </a:solidFill>
+          </a:ln>
+        </p:spPr>
+        <p:style>
+          <a:lnRef idx="2">
+            <a:schemeClr val="accent1">
+              <a:shade val="50000"/>
+            </a:schemeClr>
+          </a:lnRef>
+          <a:fillRef idx="1">
+            <a:schemeClr val="accent1"/>
+          </a:fillRef>
+          <a:effectRef idx="0">
+            <a:schemeClr val="accent1"/>
+          </a:effectRef>
+          <a:fontRef idx="minor">
+            <a:schemeClr val="lt1"/>
+          </a:fontRef>
+        </p:style>
+        <p:txBody>
+          <a:bodyPr rtlCol="0" anchor="ctr"/>
+          <a:lstStyle/>
+          <a:p>
+            <a:pPr algn="ctr"/>
+            <a:endParaRPr lang="en-US"/>
+          </a:p>
+        </p:txBody>
+      </p:sp>
+      <p:pic>
+        <p:nvPicPr>
+          <p:cNvPr id="5" name="Picture 4">
+            <a:extLst>
+              <a:ext uri="{FF2B5EF4-FFF2-40B4-BE49-F238E27FC236}">
+                <a16:creationId xmlns:a16="http://schemas.microsoft.com/office/drawing/2014/main" id="{B6F95251-55AE-4B4D-F3E7-A28529DFA6B2}"/>
+              </a:ext>
+            </a:extLst>
+          </p:cNvPr>
+          <p:cNvPicPr>
+            <a:picLocks noChangeAspect="1"/>
+          </p:cNvPicPr>
+          <p:nvPr/>
+        </p:nvPicPr>
+        <p:blipFill>
+          <a:blip r:embed="rId2">
+            <a:grayscl/>
+            <a:extLst>
+              <a:ext uri="{BEBA8EAE-BF5A-486C-A8C5-ECC9F3942E4B}">
+                <a14:imgProps xmlns:a14="http://schemas.microsoft.com/office/drawing/2010/main">
+                  <a14:imgLayer r:embed="rId3">
+                    <a14:imgEffect>
+                      <a14:backgroundRemoval t="10000" b="90000" l="10000" r="90000">
+                        <a14:foregroundMark x1="52889" y1="39556" x2="52889" y2="39556"/>
+                        <a14:foregroundMark x1="58667" y1="37778" x2="58667" y2="37778"/>
+                        <a14:foregroundMark x1="56444" y1="42222" x2="56444" y2="42222"/>
+                        <a14:foregroundMark x1="66667" y1="45778" x2="66667" y2="45778"/>
+                        <a14:foregroundMark x1="61333" y1="51556" x2="61333" y2="51556"/>
+                        <a14:foregroundMark x1="60000" y1="56000" x2="60000" y2="56000"/>
+                        <a14:foregroundMark x1="55111" y1="52889" x2="55111" y2="52889"/>
+                        <a14:foregroundMark x1="53778" y1="58222" x2="53778" y2="58222"/>
+                        <a14:foregroundMark x1="49778" y1="62667" x2="49778" y2="62667"/>
+                        <a14:foregroundMark x1="43111" y1="60000" x2="43111" y2="60000"/>
+                        <a14:foregroundMark x1="39111" y1="64889" x2="39111" y2="64889"/>
+                        <a14:foregroundMark x1="39111" y1="51556" x2="39111" y2="51556"/>
+                        <a14:foregroundMark x1="44000" y1="52444" x2="44000" y2="52444"/>
+                        <a14:foregroundMark x1="45333" y1="47556" x2="45333" y2="47556"/>
+                        <a14:foregroundMark x1="50222" y1="44444" x2="50222" y2="44444"/>
+                      </a14:backgroundRemoval>
+                    </a14:imgEffect>
+                  </a14:imgLayer>
+                </a14:imgProps>
+              </a:ext>
+            </a:extLst>
+          </a:blip>
+          <a:stretch>
+            <a:fillRect/>
+          </a:stretch>
+        </p:blipFill>
+        <p:spPr>
+          <a:xfrm>
+            <a:off x="130387" y="275062"/>
+            <a:ext cx="1415626" cy="1415626"/>
+          </a:xfrm>
+          <a:prstGeom prst="rect">
+            <a:avLst/>
+          </a:prstGeom>
+        </p:spPr>
+      </p:pic>
+    </p:spTree>
+    <p:extLst>
+      <p:ext uri="{BB962C8B-B14F-4D97-AF65-F5344CB8AC3E}">
         <p14:creationId xmlns:p14="http://schemas.microsoft.com/office/powerpoint/2010/main" val="3538612310"/>
       </p:ext>
     </p:extLst>
@@ -3896,7 +4112,7 @@
 </p:sld>
 </file>
 
-<file path=ppt/slides/slide12.xml><?xml version="1.0" encoding="utf-8"?>
+<file path=ppt/slides/slide13.xml><?xml version="1.0" encoding="utf-8"?>
 <p:sld xmlns:a="http://schemas.openxmlformats.org/drawingml/2006/main" xmlns:r="http://schemas.openxmlformats.org/officeDocument/2006/relationships" xmlns:p="http://schemas.openxmlformats.org/presentationml/2006/main">
   <p:cSld>
     <p:spTree>
@@ -5582,171 +5798,10 @@
       </p:grpSpPr>
       <p:sp>
         <p:nvSpPr>
-          <p:cNvPr id="2" name="Title 1">
-            <a:extLst>
-              <a:ext uri="{FF2B5EF4-FFF2-40B4-BE49-F238E27FC236}">
-                <a16:creationId xmlns:a16="http://schemas.microsoft.com/office/drawing/2014/main" id="{C1E6E6BD-479F-96B5-6A07-3FFF21CC6D73}"/>
-              </a:ext>
-            </a:extLst>
-          </p:cNvPr>
-          <p:cNvSpPr>
-            <a:spLocks noGrp="1"/>
-          </p:cNvSpPr>
-          <p:nvPr>
-            <p:ph type="title"/>
-          </p:nvPr>
-        </p:nvSpPr>
-        <p:spPr>
-          <a:xfrm>
-            <a:off x="1334346" y="365125"/>
-            <a:ext cx="10019453" cy="1325563"/>
-          </a:xfrm>
-        </p:spPr>
-        <p:txBody>
-          <a:bodyPr/>
-          <a:lstStyle/>
-          <a:p>
-            <a:r>
-              <a:rPr lang="en-US" dirty="0"/>
-              <a:t>Define Objective</a:t>
-            </a:r>
-          </a:p>
-        </p:txBody>
-      </p:sp>
-      <p:sp>
-        <p:nvSpPr>
-          <p:cNvPr id="3" name="Content Placeholder 2">
-            <a:extLst>
-              <a:ext uri="{FF2B5EF4-FFF2-40B4-BE49-F238E27FC236}">
-                <a16:creationId xmlns:a16="http://schemas.microsoft.com/office/drawing/2014/main" id="{31321336-FD2F-82D3-6FC9-946AD68BBC15}"/>
-              </a:ext>
-            </a:extLst>
-          </p:cNvPr>
-          <p:cNvSpPr>
-            <a:spLocks noGrp="1"/>
-          </p:cNvSpPr>
-          <p:nvPr>
-            <p:ph idx="1"/>
-          </p:nvPr>
-        </p:nvSpPr>
-        <p:spPr/>
-        <p:txBody>
-          <a:bodyPr>
-            <a:normAutofit fontScale="92500" lnSpcReduction="10000"/>
-          </a:bodyPr>
-          <a:lstStyle/>
-          <a:p>
-            <a:r>
-              <a:rPr lang="en-US" dirty="0"/>
-              <a:t>Problem statement</a:t>
-            </a:r>
-          </a:p>
-          <a:p>
-            <a:pPr lvl="1"/>
-            <a:r>
-              <a:rPr lang="en-US" dirty="0"/>
-              <a:t>Newly available sports gambling applications have taken too much money from the average gambler. We have set out to identify data elements that could affect the score of college football games that can be used to help predict the winner.</a:t>
-            </a:r>
-          </a:p>
-          <a:p>
-            <a:pPr marL="457200" lvl="1" indent="0">
-              <a:buNone/>
-            </a:pPr>
-            <a:endParaRPr lang="en-US" dirty="0"/>
-          </a:p>
-          <a:p>
-            <a:r>
-              <a:rPr lang="en-US" dirty="0"/>
-              <a:t>Questions</a:t>
-            </a:r>
-          </a:p>
-          <a:p>
-            <a:pPr lvl="1"/>
-            <a:r>
-              <a:rPr lang="en-US" b="0" i="0" dirty="0">
-                <a:solidFill>
-                  <a:srgbClr val="24292F"/>
-                </a:solidFill>
-                <a:effectLst/>
-                <a:latin typeface="-apple-system"/>
-              </a:rPr>
-              <a:t>Does attendance/fill rate affect home team winning?</a:t>
-            </a:r>
-          </a:p>
-          <a:p>
-            <a:pPr lvl="1"/>
-            <a:r>
-              <a:rPr lang="en-US" b="0" i="0" dirty="0">
-                <a:solidFill>
-                  <a:srgbClr val="24292F"/>
-                </a:solidFill>
-                <a:effectLst/>
-                <a:latin typeface="-apple-system"/>
-              </a:rPr>
-              <a:t>Does attendance/fill rate affect win margin? </a:t>
-            </a:r>
-          </a:p>
-          <a:p>
-            <a:pPr lvl="1"/>
-            <a:r>
-              <a:rPr lang="en-US" b="0" i="0" dirty="0">
-                <a:solidFill>
-                  <a:srgbClr val="24292F"/>
-                </a:solidFill>
-                <a:effectLst/>
-                <a:latin typeface="-apple-system"/>
-              </a:rPr>
-              <a:t>Does temperature affect total score?</a:t>
-            </a:r>
-          </a:p>
-          <a:p>
-            <a:pPr lvl="1"/>
-            <a:r>
-              <a:rPr lang="en-US" b="0" i="0" dirty="0">
-                <a:solidFill>
-                  <a:srgbClr val="24292F"/>
-                </a:solidFill>
-                <a:effectLst/>
-                <a:latin typeface="-apple-system"/>
-              </a:rPr>
-              <a:t>Does gametime affect total score?</a:t>
-            </a:r>
-          </a:p>
-          <a:p>
-            <a:pPr lvl="1"/>
-            <a:r>
-              <a:rPr lang="en-US" b="0" i="0" dirty="0">
-                <a:solidFill>
-                  <a:srgbClr val="24292F"/>
-                </a:solidFill>
-                <a:effectLst/>
-                <a:latin typeface="-apple-system"/>
-              </a:rPr>
-              <a:t>Do televised games affect total score?</a:t>
-            </a:r>
-          </a:p>
-          <a:p>
-            <a:pPr lvl="1"/>
-            <a:r>
-              <a:rPr lang="en-US" b="0" i="0" dirty="0">
-                <a:effectLst/>
-                <a:latin typeface="-apple-system"/>
-              </a:rPr>
-              <a:t>Do hot tubs in the stadium affect total score? </a:t>
-            </a:r>
-          </a:p>
-          <a:p>
-            <a:pPr lvl="1"/>
-            <a:endParaRPr lang="en-US" dirty="0"/>
-          </a:p>
-        </p:txBody>
-      </p:sp>
-      <p:sp>
-        <p:nvSpPr>
-          <p:cNvPr id="4" name="Flowchart: Connector 3">
-            <a:extLst>
-              <a:ext uri="{FF2B5EF4-FFF2-40B4-BE49-F238E27FC236}">
-                <a16:creationId xmlns:a16="http://schemas.microsoft.com/office/drawing/2014/main" id="{10A72261-BB5C-9151-7E12-4DC6B248FFA3}"/>
+          <p:cNvPr id="14" name="Oval 13">
+            <a:extLst>
+              <a:ext uri="{FF2B5EF4-FFF2-40B4-BE49-F238E27FC236}">
+                <a16:creationId xmlns:a16="http://schemas.microsoft.com/office/drawing/2014/main" id="{3F5656D5-A84D-9D41-D7BD-D7370CCF14DF}"/>
               </a:ext>
             </a:extLst>
           </p:cNvPr>
@@ -5755,7 +5810,62 @@
         </p:nvSpPr>
         <p:spPr>
           <a:xfrm>
-            <a:off x="419946" y="548670"/>
+            <a:off x="4429759" y="2031999"/>
+            <a:ext cx="3200400" cy="3200400"/>
+          </a:xfrm>
+          <a:prstGeom prst="ellipse">
+            <a:avLst/>
+          </a:prstGeom>
+          <a:solidFill>
+            <a:schemeClr val="accent1">
+              <a:lumMod val="20000"/>
+              <a:lumOff val="80000"/>
+            </a:schemeClr>
+          </a:solidFill>
+          <a:ln>
+            <a:prstDash val="sysDash"/>
+          </a:ln>
+        </p:spPr>
+        <p:style>
+          <a:lnRef idx="2">
+            <a:schemeClr val="accent1">
+              <a:shade val="50000"/>
+            </a:schemeClr>
+          </a:lnRef>
+          <a:fillRef idx="1">
+            <a:schemeClr val="accent1"/>
+          </a:fillRef>
+          <a:effectRef idx="0">
+            <a:schemeClr val="accent1"/>
+          </a:effectRef>
+          <a:fontRef idx="minor">
+            <a:schemeClr val="lt1"/>
+          </a:fontRef>
+        </p:style>
+        <p:txBody>
+          <a:bodyPr rtlCol="0" anchor="ctr"/>
+          <a:lstStyle/>
+          <a:p>
+            <a:pPr algn="ctr"/>
+            <a:endParaRPr lang="en-US"/>
+          </a:p>
+        </p:txBody>
+      </p:sp>
+      <p:sp>
+        <p:nvSpPr>
+          <p:cNvPr id="15" name="Flowchart: Connector 14">
+            <a:extLst>
+              <a:ext uri="{FF2B5EF4-FFF2-40B4-BE49-F238E27FC236}">
+                <a16:creationId xmlns:a16="http://schemas.microsoft.com/office/drawing/2014/main" id="{6B0510B1-C025-04D3-46D9-1C9F2B1FAB2F}"/>
+              </a:ext>
+            </a:extLst>
+          </p:cNvPr>
+          <p:cNvSpPr/>
+          <p:nvPr/>
+        </p:nvSpPr>
+        <p:spPr>
+          <a:xfrm>
+            <a:off x="8466666" y="1469813"/>
             <a:ext cx="914400" cy="914400"/>
           </a:xfrm>
           <a:prstGeom prst="flowChartConnector">
@@ -5795,12 +5905,572 @@
           </a:p>
         </p:txBody>
       </p:sp>
+      <p:cxnSp>
+        <p:nvCxnSpPr>
+          <p:cNvPr id="17" name="Straight Connector 16">
+            <a:extLst>
+              <a:ext uri="{FF2B5EF4-FFF2-40B4-BE49-F238E27FC236}">
+                <a16:creationId xmlns:a16="http://schemas.microsoft.com/office/drawing/2014/main" id="{7ABD91DB-AC18-6C66-588E-6B7717A34D21}"/>
+              </a:ext>
+            </a:extLst>
+          </p:cNvPr>
+          <p:cNvCxnSpPr>
+            <a:stCxn id="15" idx="2"/>
+          </p:cNvCxnSpPr>
+          <p:nvPr/>
+        </p:nvCxnSpPr>
+        <p:spPr>
+          <a:xfrm flipH="1">
+            <a:off x="7701280" y="1927013"/>
+            <a:ext cx="765386" cy="0"/>
+          </a:xfrm>
+          <a:prstGeom prst="line">
+            <a:avLst/>
+          </a:prstGeom>
+          <a:ln w="19050">
+            <a:solidFill>
+              <a:schemeClr val="tx2"/>
+            </a:solidFill>
+          </a:ln>
+        </p:spPr>
+        <p:style>
+          <a:lnRef idx="1">
+            <a:schemeClr val="accent1"/>
+          </a:lnRef>
+          <a:fillRef idx="0">
+            <a:schemeClr val="accent1"/>
+          </a:fillRef>
+          <a:effectRef idx="0">
+            <a:schemeClr val="accent1"/>
+          </a:effectRef>
+          <a:fontRef idx="minor">
+            <a:schemeClr val="tx1"/>
+          </a:fontRef>
+        </p:style>
+      </p:cxnSp>
+      <p:cxnSp>
+        <p:nvCxnSpPr>
+          <p:cNvPr id="18" name="Straight Connector 17">
+            <a:extLst>
+              <a:ext uri="{FF2B5EF4-FFF2-40B4-BE49-F238E27FC236}">
+                <a16:creationId xmlns:a16="http://schemas.microsoft.com/office/drawing/2014/main" id="{35D33482-B7FD-E995-3190-7AAE940738FF}"/>
+              </a:ext>
+            </a:extLst>
+          </p:cNvPr>
+          <p:cNvCxnSpPr>
+            <a:cxnSpLocks/>
+            <a:endCxn id="14" idx="7"/>
+          </p:cNvCxnSpPr>
+          <p:nvPr/>
+        </p:nvCxnSpPr>
+        <p:spPr>
+          <a:xfrm flipH="1">
+            <a:off x="7161471" y="1927013"/>
+            <a:ext cx="539809" cy="573674"/>
+          </a:xfrm>
+          <a:prstGeom prst="line">
+            <a:avLst/>
+          </a:prstGeom>
+          <a:ln w="19050">
+            <a:solidFill>
+              <a:schemeClr val="tx2"/>
+            </a:solidFill>
+          </a:ln>
+        </p:spPr>
+        <p:style>
+          <a:lnRef idx="1">
+            <a:schemeClr val="accent1"/>
+          </a:lnRef>
+          <a:fillRef idx="0">
+            <a:schemeClr val="accent1"/>
+          </a:fillRef>
+          <a:effectRef idx="0">
+            <a:schemeClr val="accent1"/>
+          </a:effectRef>
+          <a:fontRef idx="minor">
+            <a:schemeClr val="tx1"/>
+          </a:fontRef>
+        </p:style>
+      </p:cxnSp>
+      <p:sp>
+        <p:nvSpPr>
+          <p:cNvPr id="21" name="Flowchart: Connector 20">
+            <a:extLst>
+              <a:ext uri="{FF2B5EF4-FFF2-40B4-BE49-F238E27FC236}">
+                <a16:creationId xmlns:a16="http://schemas.microsoft.com/office/drawing/2014/main" id="{7FF24C97-1874-1646-1C77-EC154C978147}"/>
+              </a:ext>
+            </a:extLst>
+          </p:cNvPr>
+          <p:cNvSpPr/>
+          <p:nvPr/>
+        </p:nvSpPr>
+        <p:spPr>
+          <a:xfrm>
+            <a:off x="8466666" y="4860380"/>
+            <a:ext cx="914400" cy="914400"/>
+          </a:xfrm>
+          <a:prstGeom prst="flowChartConnector">
+            <a:avLst/>
+          </a:prstGeom>
+          <a:solidFill>
+            <a:schemeClr val="bg2"/>
+          </a:solidFill>
+          <a:ln w="19050">
+            <a:solidFill>
+              <a:schemeClr val="tx2"/>
+            </a:solidFill>
+          </a:ln>
+        </p:spPr>
+        <p:style>
+          <a:lnRef idx="2">
+            <a:schemeClr val="accent1">
+              <a:shade val="50000"/>
+            </a:schemeClr>
+          </a:lnRef>
+          <a:fillRef idx="1">
+            <a:schemeClr val="accent1"/>
+          </a:fillRef>
+          <a:effectRef idx="0">
+            <a:schemeClr val="accent1"/>
+          </a:effectRef>
+          <a:fontRef idx="minor">
+            <a:schemeClr val="lt1"/>
+          </a:fontRef>
+        </p:style>
+        <p:txBody>
+          <a:bodyPr rtlCol="0" anchor="ctr"/>
+          <a:lstStyle/>
+          <a:p>
+            <a:pPr algn="ctr"/>
+            <a:endParaRPr lang="en-US"/>
+          </a:p>
+        </p:txBody>
+      </p:sp>
+      <p:cxnSp>
+        <p:nvCxnSpPr>
+          <p:cNvPr id="32" name="Straight Connector 31">
+            <a:extLst>
+              <a:ext uri="{FF2B5EF4-FFF2-40B4-BE49-F238E27FC236}">
+                <a16:creationId xmlns:a16="http://schemas.microsoft.com/office/drawing/2014/main" id="{2CE66DBF-5C8B-5F6D-FBB4-389BFC88BB95}"/>
+              </a:ext>
+            </a:extLst>
+          </p:cNvPr>
+          <p:cNvCxnSpPr>
+            <a:cxnSpLocks/>
+            <a:endCxn id="14" idx="5"/>
+          </p:cNvCxnSpPr>
+          <p:nvPr/>
+        </p:nvCxnSpPr>
+        <p:spPr>
+          <a:xfrm flipH="1" flipV="1">
+            <a:off x="7161471" y="4763711"/>
+            <a:ext cx="515073" cy="553869"/>
+          </a:xfrm>
+          <a:prstGeom prst="line">
+            <a:avLst/>
+          </a:prstGeom>
+          <a:ln w="19050">
+            <a:solidFill>
+              <a:schemeClr val="tx2"/>
+            </a:solidFill>
+          </a:ln>
+        </p:spPr>
+        <p:style>
+          <a:lnRef idx="1">
+            <a:schemeClr val="accent1"/>
+          </a:lnRef>
+          <a:fillRef idx="0">
+            <a:schemeClr val="accent1"/>
+          </a:fillRef>
+          <a:effectRef idx="0">
+            <a:schemeClr val="accent1"/>
+          </a:effectRef>
+          <a:fontRef idx="minor">
+            <a:schemeClr val="tx1"/>
+          </a:fontRef>
+        </p:style>
+      </p:cxnSp>
+      <p:cxnSp>
+        <p:nvCxnSpPr>
+          <p:cNvPr id="34" name="Straight Connector 33">
+            <a:extLst>
+              <a:ext uri="{FF2B5EF4-FFF2-40B4-BE49-F238E27FC236}">
+                <a16:creationId xmlns:a16="http://schemas.microsoft.com/office/drawing/2014/main" id="{312B02A7-114A-47F4-FE0B-3649A016C4D6}"/>
+              </a:ext>
+            </a:extLst>
+          </p:cNvPr>
+          <p:cNvCxnSpPr>
+            <a:cxnSpLocks/>
+          </p:cNvCxnSpPr>
+          <p:nvPr/>
+        </p:nvCxnSpPr>
+        <p:spPr>
+          <a:xfrm flipH="1">
+            <a:off x="7676544" y="5317580"/>
+            <a:ext cx="765386" cy="0"/>
+          </a:xfrm>
+          <a:prstGeom prst="line">
+            <a:avLst/>
+          </a:prstGeom>
+          <a:ln w="19050">
+            <a:solidFill>
+              <a:schemeClr val="tx2"/>
+            </a:solidFill>
+          </a:ln>
+        </p:spPr>
+        <p:style>
+          <a:lnRef idx="1">
+            <a:schemeClr val="accent1"/>
+          </a:lnRef>
+          <a:fillRef idx="0">
+            <a:schemeClr val="accent1"/>
+          </a:fillRef>
+          <a:effectRef idx="0">
+            <a:schemeClr val="accent1"/>
+          </a:effectRef>
+          <a:fontRef idx="minor">
+            <a:schemeClr val="tx1"/>
+          </a:fontRef>
+        </p:style>
+      </p:cxnSp>
+      <p:sp>
+        <p:nvSpPr>
+          <p:cNvPr id="35" name="Flowchart: Connector 34">
+            <a:extLst>
+              <a:ext uri="{FF2B5EF4-FFF2-40B4-BE49-F238E27FC236}">
+                <a16:creationId xmlns:a16="http://schemas.microsoft.com/office/drawing/2014/main" id="{31424CD0-47CA-2FBA-6263-8C4C02828B19}"/>
+              </a:ext>
+            </a:extLst>
+          </p:cNvPr>
+          <p:cNvSpPr/>
+          <p:nvPr/>
+        </p:nvSpPr>
+        <p:spPr>
+          <a:xfrm>
+            <a:off x="2687840" y="4860444"/>
+            <a:ext cx="914400" cy="914400"/>
+          </a:xfrm>
+          <a:prstGeom prst="flowChartConnector">
+            <a:avLst/>
+          </a:prstGeom>
+          <a:solidFill>
+            <a:schemeClr val="bg2"/>
+          </a:solidFill>
+          <a:ln w="19050">
+            <a:solidFill>
+              <a:schemeClr val="tx2"/>
+            </a:solidFill>
+          </a:ln>
+        </p:spPr>
+        <p:style>
+          <a:lnRef idx="2">
+            <a:schemeClr val="accent1">
+              <a:shade val="50000"/>
+            </a:schemeClr>
+          </a:lnRef>
+          <a:fillRef idx="1">
+            <a:schemeClr val="accent1"/>
+          </a:fillRef>
+          <a:effectRef idx="0">
+            <a:schemeClr val="accent1"/>
+          </a:effectRef>
+          <a:fontRef idx="minor">
+            <a:schemeClr val="lt1"/>
+          </a:fontRef>
+        </p:style>
+        <p:txBody>
+          <a:bodyPr rtlCol="0" anchor="ctr"/>
+          <a:lstStyle/>
+          <a:p>
+            <a:pPr algn="ctr"/>
+            <a:endParaRPr lang="en-US"/>
+          </a:p>
+        </p:txBody>
+      </p:sp>
+      <p:cxnSp>
+        <p:nvCxnSpPr>
+          <p:cNvPr id="38" name="Straight Connector 37">
+            <a:extLst>
+              <a:ext uri="{FF2B5EF4-FFF2-40B4-BE49-F238E27FC236}">
+                <a16:creationId xmlns:a16="http://schemas.microsoft.com/office/drawing/2014/main" id="{5E80D4E7-0C9B-396A-9914-C72FAC81E165}"/>
+              </a:ext>
+            </a:extLst>
+          </p:cNvPr>
+          <p:cNvCxnSpPr>
+            <a:cxnSpLocks/>
+          </p:cNvCxnSpPr>
+          <p:nvPr/>
+        </p:nvCxnSpPr>
+        <p:spPr>
+          <a:xfrm flipH="1" flipV="1">
+            <a:off x="4383374" y="1936915"/>
+            <a:ext cx="515073" cy="553869"/>
+          </a:xfrm>
+          <a:prstGeom prst="line">
+            <a:avLst/>
+          </a:prstGeom>
+          <a:ln w="19050">
+            <a:solidFill>
+              <a:schemeClr val="tx2"/>
+            </a:solidFill>
+          </a:ln>
+        </p:spPr>
+        <p:style>
+          <a:lnRef idx="1">
+            <a:schemeClr val="accent1"/>
+          </a:lnRef>
+          <a:fillRef idx="0">
+            <a:schemeClr val="accent1"/>
+          </a:fillRef>
+          <a:effectRef idx="0">
+            <a:schemeClr val="accent1"/>
+          </a:effectRef>
+          <a:fontRef idx="minor">
+            <a:schemeClr val="tx1"/>
+          </a:fontRef>
+        </p:style>
+      </p:cxnSp>
+      <p:cxnSp>
+        <p:nvCxnSpPr>
+          <p:cNvPr id="39" name="Straight Connector 38">
+            <a:extLst>
+              <a:ext uri="{FF2B5EF4-FFF2-40B4-BE49-F238E27FC236}">
+                <a16:creationId xmlns:a16="http://schemas.microsoft.com/office/drawing/2014/main" id="{B1FEFB3D-CD1C-BC51-9522-BB52E310D32D}"/>
+              </a:ext>
+            </a:extLst>
+          </p:cNvPr>
+          <p:cNvCxnSpPr/>
+          <p:nvPr/>
+        </p:nvCxnSpPr>
+        <p:spPr>
+          <a:xfrm flipH="1">
+            <a:off x="3617988" y="1936915"/>
+            <a:ext cx="765386" cy="0"/>
+          </a:xfrm>
+          <a:prstGeom prst="line">
+            <a:avLst/>
+          </a:prstGeom>
+          <a:ln w="19050">
+            <a:solidFill>
+              <a:schemeClr val="tx2"/>
+            </a:solidFill>
+          </a:ln>
+        </p:spPr>
+        <p:style>
+          <a:lnRef idx="1">
+            <a:schemeClr val="accent1"/>
+          </a:lnRef>
+          <a:fillRef idx="0">
+            <a:schemeClr val="accent1"/>
+          </a:fillRef>
+          <a:effectRef idx="0">
+            <a:schemeClr val="accent1"/>
+          </a:effectRef>
+          <a:fontRef idx="minor">
+            <a:schemeClr val="tx1"/>
+          </a:fontRef>
+        </p:style>
+      </p:cxnSp>
+      <p:sp>
+        <p:nvSpPr>
+          <p:cNvPr id="40" name="Flowchart: Connector 39">
+            <a:extLst>
+              <a:ext uri="{FF2B5EF4-FFF2-40B4-BE49-F238E27FC236}">
+                <a16:creationId xmlns:a16="http://schemas.microsoft.com/office/drawing/2014/main" id="{163F54F8-EDFE-255E-C1B8-4877EF1D667F}"/>
+              </a:ext>
+            </a:extLst>
+          </p:cNvPr>
+          <p:cNvSpPr/>
+          <p:nvPr/>
+        </p:nvSpPr>
+        <p:spPr>
+          <a:xfrm>
+            <a:off x="2696000" y="1479715"/>
+            <a:ext cx="914400" cy="914400"/>
+          </a:xfrm>
+          <a:prstGeom prst="flowChartConnector">
+            <a:avLst/>
+          </a:prstGeom>
+          <a:solidFill>
+            <a:schemeClr val="bg2"/>
+          </a:solidFill>
+          <a:ln w="19050">
+            <a:solidFill>
+              <a:schemeClr val="tx2"/>
+            </a:solidFill>
+          </a:ln>
+        </p:spPr>
+        <p:style>
+          <a:lnRef idx="2">
+            <a:schemeClr val="accent1">
+              <a:shade val="50000"/>
+            </a:schemeClr>
+          </a:lnRef>
+          <a:fillRef idx="1">
+            <a:schemeClr val="accent1"/>
+          </a:fillRef>
+          <a:effectRef idx="0">
+            <a:schemeClr val="accent1"/>
+          </a:effectRef>
+          <a:fontRef idx="minor">
+            <a:schemeClr val="lt1"/>
+          </a:fontRef>
+        </p:style>
+        <p:txBody>
+          <a:bodyPr rtlCol="0" anchor="ctr"/>
+          <a:lstStyle/>
+          <a:p>
+            <a:pPr algn="ctr"/>
+            <a:endParaRPr lang="en-US"/>
+          </a:p>
+        </p:txBody>
+      </p:sp>
+      <p:sp>
+        <p:nvSpPr>
+          <p:cNvPr id="42" name="TextBox 41">
+            <a:extLst>
+              <a:ext uri="{FF2B5EF4-FFF2-40B4-BE49-F238E27FC236}">
+                <a16:creationId xmlns:a16="http://schemas.microsoft.com/office/drawing/2014/main" id="{556F58E2-45C0-B8CE-9D2D-3459205E4184}"/>
+              </a:ext>
+            </a:extLst>
+          </p:cNvPr>
+          <p:cNvSpPr txBox="1"/>
+          <p:nvPr/>
+        </p:nvSpPr>
+        <p:spPr>
+          <a:xfrm>
+            <a:off x="8310879" y="2389761"/>
+            <a:ext cx="1225973" cy="276999"/>
+          </a:xfrm>
+          <a:prstGeom prst="rect">
+            <a:avLst/>
+          </a:prstGeom>
+          <a:noFill/>
+        </p:spPr>
+        <p:txBody>
+          <a:bodyPr wrap="square" rtlCol="0">
+            <a:spAutoFit/>
+          </a:bodyPr>
+          <a:lstStyle/>
+          <a:p>
+            <a:r>
+              <a:rPr lang="en-US" sz="1200" dirty="0"/>
+              <a:t>Define objective</a:t>
+            </a:r>
+          </a:p>
+        </p:txBody>
+      </p:sp>
+      <p:sp>
+        <p:nvSpPr>
+          <p:cNvPr id="44" name="TextBox 43">
+            <a:extLst>
+              <a:ext uri="{FF2B5EF4-FFF2-40B4-BE49-F238E27FC236}">
+                <a16:creationId xmlns:a16="http://schemas.microsoft.com/office/drawing/2014/main" id="{77359356-AB5A-26D4-F360-27707A688149}"/>
+              </a:ext>
+            </a:extLst>
+          </p:cNvPr>
+          <p:cNvSpPr txBox="1"/>
+          <p:nvPr/>
+        </p:nvSpPr>
+        <p:spPr>
+          <a:xfrm>
+            <a:off x="8453484" y="5811563"/>
+            <a:ext cx="965197" cy="276999"/>
+          </a:xfrm>
+          <a:prstGeom prst="rect">
+            <a:avLst/>
+          </a:prstGeom>
+          <a:noFill/>
+        </p:spPr>
+        <p:txBody>
+          <a:bodyPr wrap="square" rtlCol="0">
+            <a:spAutoFit/>
+          </a:bodyPr>
+          <a:lstStyle/>
+          <a:p>
+            <a:r>
+              <a:rPr lang="en-US" sz="1200" dirty="0"/>
+              <a:t>Import data</a:t>
+            </a:r>
+          </a:p>
+        </p:txBody>
+      </p:sp>
+      <p:sp>
+        <p:nvSpPr>
+          <p:cNvPr id="45" name="TextBox 44">
+            <a:extLst>
+              <a:ext uri="{FF2B5EF4-FFF2-40B4-BE49-F238E27FC236}">
+                <a16:creationId xmlns:a16="http://schemas.microsoft.com/office/drawing/2014/main" id="{2AF7F5D2-BF2B-3345-5A45-EAB1412856C5}"/>
+              </a:ext>
+            </a:extLst>
+          </p:cNvPr>
+          <p:cNvSpPr txBox="1"/>
+          <p:nvPr/>
+        </p:nvSpPr>
+        <p:spPr>
+          <a:xfrm>
+            <a:off x="2464318" y="5811626"/>
+            <a:ext cx="1361441" cy="276999"/>
+          </a:xfrm>
+          <a:prstGeom prst="rect">
+            <a:avLst/>
+          </a:prstGeom>
+          <a:noFill/>
+        </p:spPr>
+        <p:txBody>
+          <a:bodyPr wrap="square" rtlCol="0">
+            <a:spAutoFit/>
+          </a:bodyPr>
+          <a:lstStyle/>
+          <a:p>
+            <a:r>
+              <a:rPr lang="en-US" sz="1200" dirty="0"/>
+              <a:t>Explore/clean data</a:t>
+            </a:r>
+          </a:p>
+        </p:txBody>
+      </p:sp>
+      <p:sp>
+        <p:nvSpPr>
+          <p:cNvPr id="48" name="TextBox 47">
+            <a:extLst>
+              <a:ext uri="{FF2B5EF4-FFF2-40B4-BE49-F238E27FC236}">
+                <a16:creationId xmlns:a16="http://schemas.microsoft.com/office/drawing/2014/main" id="{846174EE-2555-EBE0-B444-F1983FCD0332}"/>
+              </a:ext>
+            </a:extLst>
+          </p:cNvPr>
+          <p:cNvSpPr txBox="1"/>
+          <p:nvPr/>
+        </p:nvSpPr>
+        <p:spPr>
+          <a:xfrm>
+            <a:off x="2603893" y="2389761"/>
+            <a:ext cx="1098761" cy="276999"/>
+          </a:xfrm>
+          <a:prstGeom prst="rect">
+            <a:avLst/>
+          </a:prstGeom>
+          <a:noFill/>
+        </p:spPr>
+        <p:txBody>
+          <a:bodyPr wrap="square" rtlCol="0">
+            <a:spAutoFit/>
+          </a:bodyPr>
+          <a:lstStyle/>
+          <a:p>
+            <a:r>
+              <a:rPr lang="en-US" sz="1200" dirty="0"/>
+              <a:t>Report Results</a:t>
+            </a:r>
+          </a:p>
+        </p:txBody>
+      </p:sp>
       <p:pic>
         <p:nvPicPr>
-          <p:cNvPr id="5" name="Picture 4">
-            <a:extLst>
-              <a:ext uri="{FF2B5EF4-FFF2-40B4-BE49-F238E27FC236}">
-                <a16:creationId xmlns:a16="http://schemas.microsoft.com/office/drawing/2014/main" id="{EE2CF7FB-1017-AE2F-236E-0DB49AF4B008}"/>
+          <p:cNvPr id="52" name="Graphic 51" descr="Server with solid fill">
+            <a:extLst>
+              <a:ext uri="{FF2B5EF4-FFF2-40B4-BE49-F238E27FC236}">
+                <a16:creationId xmlns:a16="http://schemas.microsoft.com/office/drawing/2014/main" id="{82854843-E39B-34CA-D9F2-17F3F5E3243A}"/>
               </a:ext>
             </a:extLst>
           </p:cNvPr>
@@ -5812,9 +6482,233 @@
         <p:blipFill>
           <a:blip r:embed="rId2">
             <a:extLst>
+              <a:ext uri="{28A0092B-C50C-407E-A947-70E740481C1C}">
+                <a14:useLocalDpi xmlns:a14="http://schemas.microsoft.com/office/drawing/2010/main" val="0"/>
+              </a:ext>
+              <a:ext uri="{96DAC541-7B7A-43D3-8B79-37D633B846F1}">
+                <asvg:svgBlip xmlns:asvg="http://schemas.microsoft.com/office/drawing/2016/SVG/main" r:embed="rId3"/>
+              </a:ext>
+            </a:extLst>
+          </a:blip>
+          <a:stretch>
+            <a:fillRect/>
+          </a:stretch>
+        </p:blipFill>
+        <p:spPr>
+          <a:xfrm>
+            <a:off x="8682928" y="5058265"/>
+            <a:ext cx="506307" cy="506307"/>
+          </a:xfrm>
+          <a:prstGeom prst="rect">
+            <a:avLst/>
+          </a:prstGeom>
+        </p:spPr>
+      </p:pic>
+      <p:pic>
+        <p:nvPicPr>
+          <p:cNvPr id="55" name="Picture 54">
+            <a:extLst>
+              <a:ext uri="{FF2B5EF4-FFF2-40B4-BE49-F238E27FC236}">
+                <a16:creationId xmlns:a16="http://schemas.microsoft.com/office/drawing/2014/main" id="{FEE1927F-D81B-1A4E-CA46-409AA07308AE}"/>
+              </a:ext>
+            </a:extLst>
+          </p:cNvPr>
+          <p:cNvPicPr>
+            <a:picLocks noChangeAspect="1"/>
+          </p:cNvPicPr>
+          <p:nvPr/>
+        </p:nvPicPr>
+        <p:blipFill>
+          <a:blip r:embed="rId4">
+            <a:extLst>
               <a:ext uri="{BEBA8EAE-BF5A-486C-A8C5-ECC9F3942E4B}">
                 <a14:imgProps xmlns:a14="http://schemas.microsoft.com/office/drawing/2010/main">
-                  <a14:imgLayer r:embed="rId3">
+                  <a14:imgLayer r:embed="rId5">
+                    <a14:imgEffect>
+                      <a14:backgroundRemoval t="2222" b="96000" l="3556" r="96000">
+                        <a14:foregroundMark x1="58667" y1="10667" x2="58667" y2="10667"/>
+                        <a14:foregroundMark x1="72444" y1="74667" x2="72444" y2="74667"/>
+                        <a14:foregroundMark x1="92000" y1="96000" x2="92000" y2="96000"/>
+                        <a14:foregroundMark x1="12444" y1="15111" x2="12444" y2="15111"/>
+                        <a14:foregroundMark x1="12444" y1="15111" x2="3556" y2="42222"/>
+                        <a14:foregroundMark x1="3556" y1="42222" x2="4889" y2="48444"/>
+                        <a14:foregroundMark x1="52889" y1="8444" x2="24889" y2="6222"/>
+                        <a14:foregroundMark x1="96444" y1="91111" x2="96444" y2="91111"/>
+                        <a14:foregroundMark x1="84889" y1="94667" x2="92889" y2="84444"/>
+                        <a14:foregroundMark x1="92889" y1="84444" x2="70667" y2="66222"/>
+                        <a14:foregroundMark x1="70667" y1="66222" x2="83111" y2="94667"/>
+                        <a14:foregroundMark x1="83111" y1="94667" x2="83556" y2="94667"/>
+                        <a14:foregroundMark x1="33333" y1="72889" x2="9333" y2="51556"/>
+                        <a14:foregroundMark x1="32889" y1="70667" x2="60444" y2="57778"/>
+                        <a14:foregroundMark x1="60444" y1="57778" x2="70667" y2="28000"/>
+                        <a14:foregroundMark x1="70667" y1="28000" x2="61778" y2="13333"/>
+                        <a14:foregroundMark x1="46667" y1="3111" x2="29333" y2="2222"/>
+                      </a14:backgroundRemoval>
+                    </a14:imgEffect>
+                  </a14:imgLayer>
+                </a14:imgProps>
+              </a:ext>
+            </a:extLst>
+          </a:blip>
+          <a:stretch>
+            <a:fillRect/>
+          </a:stretch>
+        </p:blipFill>
+        <p:spPr>
+          <a:xfrm>
+            <a:off x="2868103" y="5040645"/>
+            <a:ext cx="553870" cy="553870"/>
+          </a:xfrm>
+          <a:prstGeom prst="rect">
+            <a:avLst/>
+          </a:prstGeom>
+        </p:spPr>
+      </p:pic>
+      <p:pic>
+        <p:nvPicPr>
+          <p:cNvPr id="58" name="Picture 57">
+            <a:extLst>
+              <a:ext uri="{FF2B5EF4-FFF2-40B4-BE49-F238E27FC236}">
+                <a16:creationId xmlns:a16="http://schemas.microsoft.com/office/drawing/2014/main" id="{C9C492F4-B57B-BA0A-8EDB-8400F500E8FC}"/>
+              </a:ext>
+            </a:extLst>
+          </p:cNvPr>
+          <p:cNvPicPr>
+            <a:picLocks noChangeAspect="1"/>
+          </p:cNvPicPr>
+          <p:nvPr/>
+        </p:nvPicPr>
+        <p:blipFill>
+          <a:blip r:embed="rId6">
+            <a:grayscl/>
+            <a:extLst>
+              <a:ext uri="{BEBA8EAE-BF5A-486C-A8C5-ECC9F3942E4B}">
+                <a14:imgProps xmlns:a14="http://schemas.microsoft.com/office/drawing/2010/main">
+                  <a14:imgLayer r:embed="rId7">
+                    <a14:imgEffect>
+                      <a14:backgroundRemoval t="10000" b="90000" l="10000" r="90000">
+                        <a14:foregroundMark x1="52889" y1="39556" x2="52889" y2="39556"/>
+                        <a14:foregroundMark x1="58667" y1="37778" x2="58667" y2="37778"/>
+                        <a14:foregroundMark x1="56444" y1="42222" x2="56444" y2="42222"/>
+                        <a14:foregroundMark x1="66667" y1="45778" x2="66667" y2="45778"/>
+                        <a14:foregroundMark x1="61333" y1="51556" x2="61333" y2="51556"/>
+                        <a14:foregroundMark x1="60000" y1="56000" x2="60000" y2="56000"/>
+                        <a14:foregroundMark x1="55111" y1="52889" x2="55111" y2="52889"/>
+                        <a14:foregroundMark x1="53778" y1="58222" x2="53778" y2="58222"/>
+                        <a14:foregroundMark x1="49778" y1="62667" x2="49778" y2="62667"/>
+                        <a14:foregroundMark x1="43111" y1="60000" x2="43111" y2="60000"/>
+                        <a14:foregroundMark x1="39111" y1="64889" x2="39111" y2="64889"/>
+                        <a14:foregroundMark x1="39111" y1="51556" x2="39111" y2="51556"/>
+                        <a14:foregroundMark x1="44000" y1="52444" x2="44000" y2="52444"/>
+                        <a14:foregroundMark x1="45333" y1="47556" x2="45333" y2="47556"/>
+                        <a14:foregroundMark x1="50222" y1="44444" x2="50222" y2="44444"/>
+                      </a14:backgroundRemoval>
+                    </a14:imgEffect>
+                  </a14:imgLayer>
+                </a14:imgProps>
+              </a:ext>
+            </a:extLst>
+          </a:blip>
+          <a:stretch>
+            <a:fillRect/>
+          </a:stretch>
+        </p:blipFill>
+        <p:spPr>
+          <a:xfrm>
+            <a:off x="2452974" y="1244171"/>
+            <a:ext cx="1415626" cy="1415626"/>
+          </a:xfrm>
+          <a:prstGeom prst="rect">
+            <a:avLst/>
+          </a:prstGeom>
+        </p:spPr>
+      </p:pic>
+      <p:pic>
+        <p:nvPicPr>
+          <p:cNvPr id="62" name="Picture 61">
+            <a:extLst>
+              <a:ext uri="{FF2B5EF4-FFF2-40B4-BE49-F238E27FC236}">
+                <a16:creationId xmlns:a16="http://schemas.microsoft.com/office/drawing/2014/main" id="{585E6D7A-8C1D-D7A8-B8E5-2054EAA961C6}"/>
+              </a:ext>
+            </a:extLst>
+          </p:cNvPr>
+          <p:cNvPicPr>
+            <a:picLocks noChangeAspect="1"/>
+          </p:cNvPicPr>
+          <p:nvPr/>
+        </p:nvPicPr>
+        <p:blipFill>
+          <a:blip r:embed="rId8">
+            <a:duotone>
+              <a:schemeClr val="accent1">
+                <a:shade val="45000"/>
+                <a:satMod val="135000"/>
+              </a:schemeClr>
+              <a:prstClr val="white"/>
+            </a:duotone>
+            <a:alphaModFix amt="50000"/>
+            <a:extLst>
+              <a:ext uri="{BEBA8EAE-BF5A-486C-A8C5-ECC9F3942E4B}">
+                <a14:imgProps xmlns:a14="http://schemas.microsoft.com/office/drawing/2010/main">
+                  <a14:imgLayer r:embed="rId9">
+                    <a14:imgEffect>
+                      <a14:backgroundRemoval t="4911" b="95536" l="3125" r="95536">
+                        <a14:foregroundMark x1="13393" y1="43750" x2="20982" y2="71875"/>
+                        <a14:foregroundMark x1="43750" y1="88839" x2="69196" y2="81250"/>
+                        <a14:foregroundMark x1="69196" y1="81250" x2="75446" y2="76339"/>
+                        <a14:foregroundMark x1="87500" y1="58482" x2="82143" y2="30357"/>
+                        <a14:foregroundMark x1="82143" y1="30357" x2="76786" y2="24554"/>
+                        <a14:foregroundMark x1="53125" y1="8482" x2="50893" y2="5357"/>
+                        <a14:foregroundMark x1="3125" y1="52232" x2="5804" y2="50446"/>
+                        <a14:foregroundMark x1="50446" y1="95982" x2="48214" y2="90625"/>
+                        <a14:foregroundMark x1="95536" y1="51339" x2="88393" y2="51339"/>
+                      </a14:backgroundRemoval>
+                    </a14:imgEffect>
+                    <a14:imgEffect>
+                      <a14:artisticCutout/>
+                    </a14:imgEffect>
+                    <a14:imgEffect>
+                      <a14:sharpenSoften amount="50000"/>
+                    </a14:imgEffect>
+                  </a14:imgLayer>
+                </a14:imgProps>
+              </a:ext>
+            </a:extLst>
+          </a:blip>
+          <a:stretch>
+            <a:fillRect/>
+          </a:stretch>
+        </p:blipFill>
+        <p:spPr>
+          <a:xfrm>
+            <a:off x="4876595" y="2500687"/>
+            <a:ext cx="2331957" cy="2331957"/>
+          </a:xfrm>
+          <a:prstGeom prst="rect">
+            <a:avLst/>
+          </a:prstGeom>
+        </p:spPr>
+      </p:pic>
+      <p:pic>
+        <p:nvPicPr>
+          <p:cNvPr id="63" name="Picture 62">
+            <a:extLst>
+              <a:ext uri="{FF2B5EF4-FFF2-40B4-BE49-F238E27FC236}">
+                <a16:creationId xmlns:a16="http://schemas.microsoft.com/office/drawing/2014/main" id="{2F3E547B-3F15-6FCA-F1E7-A31941CE7207}"/>
+              </a:ext>
+            </a:extLst>
+          </p:cNvPr>
+          <p:cNvPicPr>
+            <a:picLocks noChangeAspect="1"/>
+          </p:cNvPicPr>
+          <p:nvPr/>
+        </p:nvPicPr>
+        <p:blipFill>
+          <a:blip r:embed="rId10">
+            <a:extLst>
+              <a:ext uri="{BEBA8EAE-BF5A-486C-A8C5-ECC9F3942E4B}">
+                <a14:imgProps xmlns:a14="http://schemas.microsoft.com/office/drawing/2010/main">
+                  <a14:imgLayer r:embed="rId11">
                     <a14:imgEffect>
                       <a14:backgroundRemoval t="10000" b="90000" l="10000" r="90000">
                         <a14:foregroundMark x1="74222" y1="30222" x2="71556" y2="26222"/>
@@ -5833,7 +6727,7 @@
         </p:blipFill>
         <p:spPr>
           <a:xfrm>
-            <a:off x="444554" y="573278"/>
+            <a:off x="8491272" y="1504323"/>
             <a:ext cx="865183" cy="865183"/>
           </a:xfrm>
           <a:prstGeom prst="rect">
@@ -5841,10 +6735,128 @@
           </a:prstGeom>
         </p:spPr>
       </p:pic>
+      <p:sp>
+        <p:nvSpPr>
+          <p:cNvPr id="64" name="Title 1">
+            <a:extLst>
+              <a:ext uri="{FF2B5EF4-FFF2-40B4-BE49-F238E27FC236}">
+                <a16:creationId xmlns:a16="http://schemas.microsoft.com/office/drawing/2014/main" id="{F7978E02-2040-9EFA-E11C-A9B9FFCAF3CD}"/>
+              </a:ext>
+            </a:extLst>
+          </p:cNvPr>
+          <p:cNvSpPr>
+            <a:spLocks noGrp="1"/>
+          </p:cNvSpPr>
+          <p:nvPr>
+            <p:ph type="title"/>
+          </p:nvPr>
+        </p:nvSpPr>
+        <p:spPr>
+          <a:xfrm>
+            <a:off x="784773" y="107213"/>
+            <a:ext cx="10515600" cy="1325563"/>
+          </a:xfrm>
+        </p:spPr>
+        <p:txBody>
+          <a:bodyPr/>
+          <a:lstStyle/>
+          <a:p>
+            <a:pPr algn="ctr"/>
+            <a:r>
+              <a:rPr lang="en-US" dirty="0"/>
+              <a:t>Data Science Workflow</a:t>
+            </a:r>
+          </a:p>
+        </p:txBody>
+      </p:sp>
+      <p:cxnSp>
+        <p:nvCxnSpPr>
+          <p:cNvPr id="33" name="Straight Connector 32">
+            <a:extLst>
+              <a:ext uri="{FF2B5EF4-FFF2-40B4-BE49-F238E27FC236}">
+                <a16:creationId xmlns:a16="http://schemas.microsoft.com/office/drawing/2014/main" id="{AA1C9BE5-714D-54B8-8625-CFFBB599F78D}"/>
+              </a:ext>
+            </a:extLst>
+          </p:cNvPr>
+          <p:cNvCxnSpPr>
+            <a:cxnSpLocks/>
+          </p:cNvCxnSpPr>
+          <p:nvPr/>
+        </p:nvCxnSpPr>
+        <p:spPr>
+          <a:xfrm flipH="1">
+            <a:off x="4383273" y="4763711"/>
+            <a:ext cx="539809" cy="573674"/>
+          </a:xfrm>
+          <a:prstGeom prst="line">
+            <a:avLst/>
+          </a:prstGeom>
+          <a:ln w="19050">
+            <a:solidFill>
+              <a:schemeClr val="tx2"/>
+            </a:solidFill>
+          </a:ln>
+        </p:spPr>
+        <p:style>
+          <a:lnRef idx="1">
+            <a:schemeClr val="accent1"/>
+          </a:lnRef>
+          <a:fillRef idx="0">
+            <a:schemeClr val="accent1"/>
+          </a:fillRef>
+          <a:effectRef idx="0">
+            <a:schemeClr val="accent1"/>
+          </a:effectRef>
+          <a:fontRef idx="minor">
+            <a:schemeClr val="tx1"/>
+          </a:fontRef>
+        </p:style>
+      </p:cxnSp>
+      <p:cxnSp>
+        <p:nvCxnSpPr>
+          <p:cNvPr id="36" name="Straight Connector 35">
+            <a:extLst>
+              <a:ext uri="{FF2B5EF4-FFF2-40B4-BE49-F238E27FC236}">
+                <a16:creationId xmlns:a16="http://schemas.microsoft.com/office/drawing/2014/main" id="{745BC525-44B8-74B3-BD3F-46D1AF76FBA4}"/>
+              </a:ext>
+            </a:extLst>
+          </p:cNvPr>
+          <p:cNvCxnSpPr/>
+          <p:nvPr/>
+        </p:nvCxnSpPr>
+        <p:spPr>
+          <a:xfrm flipH="1">
+            <a:off x="3617988" y="5337385"/>
+            <a:ext cx="765386" cy="0"/>
+          </a:xfrm>
+          <a:prstGeom prst="line">
+            <a:avLst/>
+          </a:prstGeom>
+          <a:ln w="19050">
+            <a:solidFill>
+              <a:schemeClr val="tx2"/>
+            </a:solidFill>
+          </a:ln>
+        </p:spPr>
+        <p:style>
+          <a:lnRef idx="1">
+            <a:schemeClr val="accent1"/>
+          </a:lnRef>
+          <a:fillRef idx="0">
+            <a:schemeClr val="accent1"/>
+          </a:fillRef>
+          <a:effectRef idx="0">
+            <a:schemeClr val="accent1"/>
+          </a:effectRef>
+          <a:fontRef idx="minor">
+            <a:schemeClr val="tx1"/>
+          </a:fontRef>
+        </p:style>
+      </p:cxnSp>
     </p:spTree>
     <p:extLst>
       <p:ext uri="{BB962C8B-B14F-4D97-AF65-F5344CB8AC3E}">
-        <p14:creationId xmlns:p14="http://schemas.microsoft.com/office/powerpoint/2010/main" val="1314678001"/>
+        <p14:creationId xmlns:p14="http://schemas.microsoft.com/office/powerpoint/2010/main" val="865522421"/>
       </p:ext>
     </p:extLst>
   </p:cSld>
@@ -5889,8 +6901,8 @@
         </p:nvSpPr>
         <p:spPr>
           <a:xfrm>
-            <a:off x="1347892" y="365125"/>
-            <a:ext cx="10005907" cy="1325563"/>
+            <a:off x="1334346" y="365125"/>
+            <a:ext cx="10019453" cy="1325563"/>
           </a:xfrm>
         </p:spPr>
         <p:txBody>
@@ -5899,7 +6911,7 @@
           <a:p>
             <a:r>
               <a:rPr lang="en-US" dirty="0"/>
-              <a:t>Import Data</a:t>
+              <a:t>Define Objective</a:t>
             </a:r>
           </a:p>
         </p:txBody>
@@ -5922,56 +6934,21 @@
         </p:nvSpPr>
         <p:spPr/>
         <p:txBody>
-          <a:bodyPr/>
+          <a:bodyPr>
+            <a:normAutofit fontScale="92500" lnSpcReduction="10000"/>
+          </a:bodyPr>
           <a:lstStyle/>
           <a:p>
             <a:r>
               <a:rPr lang="en-US" dirty="0"/>
-              <a:t>Locate data source</a:t>
+              <a:t>Problem statement</a:t>
             </a:r>
           </a:p>
           <a:p>
             <a:pPr lvl="1"/>
             <a:r>
               <a:rPr lang="en-US" dirty="0"/>
-              <a:t>Kaggle.com</a:t>
-            </a:r>
-          </a:p>
-          <a:p>
-            <a:pPr lvl="2"/>
-            <a:r>
-              <a:rPr lang="en-US" b="0" i="0" u="none" strike="noStrike" dirty="0">
-                <a:effectLst/>
-                <a:latin typeface="-apple-system"/>
-                <a:hlinkClick r:id="rId2"/>
-              </a:rPr>
-              <a:t>https://www.kaggle.com/datasets/jeffgallini/college-football-attendance-2000-to-2018</a:t>
-            </a:r>
-            <a:endParaRPr lang="en-US" b="0" i="0" u="none" strike="noStrike" dirty="0">
-              <a:effectLst/>
-              <a:latin typeface="-apple-system"/>
-            </a:endParaRPr>
-          </a:p>
-          <a:p>
-            <a:pPr marL="914400" lvl="2" indent="0">
-              <a:buNone/>
-            </a:pPr>
-            <a:endParaRPr lang="en-US" b="0" i="0" u="none" strike="noStrike" dirty="0">
-              <a:effectLst/>
-              <a:latin typeface="-apple-system"/>
-            </a:endParaRPr>
-          </a:p>
-          <a:p>
-            <a:r>
-              <a:rPr lang="en-US" dirty="0"/>
-              <a:t>Sample</a:t>
-            </a:r>
-          </a:p>
-          <a:p>
-            <a:pPr lvl="1"/>
-            <a:r>
-              <a:rPr lang="en-US" dirty="0"/>
-              <a:t>6,672 Division I CFB (College Football) games between 2000 – 2018</a:t>
+              <a:t>Newly available sports gambling applications have taken too much money from the average gambler. We have set out to identify data elements that could affect the score of college football games that can be used to help predict the winner.</a:t>
             </a:r>
           </a:p>
           <a:p>
@@ -5983,29 +6960,88 @@
           <a:p>
             <a:r>
               <a:rPr lang="en-US" dirty="0"/>
-              <a:t>Structure</a:t>
+              <a:t>Questions</a:t>
             </a:r>
           </a:p>
           <a:p>
             <a:pPr lvl="1"/>
             <a:r>
-              <a:rPr lang="en-US" i="0" dirty="0">
+              <a:rPr lang="en-US" b="0" i="0" dirty="0">
                 <a:solidFill>
-                  <a:srgbClr val="202124"/>
+                  <a:srgbClr val="24292F"/>
                 </a:solidFill>
                 <a:effectLst/>
-                <a:latin typeface="Inter"/>
+                <a:latin typeface="-apple-system"/>
               </a:rPr>
-              <a:t>CFBeattendance.csv</a:t>
-            </a:r>
+              <a:t>Does attendance/fill rate affect home team winning?</a:t>
+            </a:r>
+          </a:p>
+          <a:p>
+            <a:pPr lvl="1"/>
+            <a:r>
+              <a:rPr lang="en-US" b="0" i="0" dirty="0">
+                <a:solidFill>
+                  <a:srgbClr val="24292F"/>
+                </a:solidFill>
+                <a:effectLst/>
+                <a:latin typeface="-apple-system"/>
+              </a:rPr>
+              <a:t>Does attendance/fill rate affect win margin? </a:t>
+            </a:r>
+          </a:p>
+          <a:p>
+            <a:pPr lvl="1"/>
+            <a:r>
+              <a:rPr lang="en-US" b="0" i="0" dirty="0">
+                <a:solidFill>
+                  <a:srgbClr val="24292F"/>
+                </a:solidFill>
+                <a:effectLst/>
+                <a:latin typeface="-apple-system"/>
+              </a:rPr>
+              <a:t>Does temperature affect total score?</a:t>
+            </a:r>
+          </a:p>
+          <a:p>
+            <a:pPr lvl="1"/>
+            <a:r>
+              <a:rPr lang="en-US" b="0" i="0" dirty="0">
+                <a:solidFill>
+                  <a:srgbClr val="24292F"/>
+                </a:solidFill>
+                <a:effectLst/>
+                <a:latin typeface="-apple-system"/>
+              </a:rPr>
+              <a:t>Does gametime affect total score?</a:t>
+            </a:r>
+          </a:p>
+          <a:p>
+            <a:pPr lvl="1"/>
+            <a:r>
+              <a:rPr lang="en-US" b="0" i="0" dirty="0">
+                <a:solidFill>
+                  <a:srgbClr val="24292F"/>
+                </a:solidFill>
+                <a:effectLst/>
+                <a:latin typeface="-apple-system"/>
+              </a:rPr>
+              <a:t>Do televised games affect total score?</a:t>
+            </a:r>
+          </a:p>
+          <a:p>
+            <a:pPr lvl="1"/>
+            <a:r>
+              <a:rPr lang="en-US" b="0" i="0" dirty="0">
+                <a:effectLst/>
+                <a:latin typeface="-apple-system"/>
+              </a:rPr>
+              <a:t>Do hot tubs in the stadium affect total score? </a:t>
+            </a:r>
+          </a:p>
+          <a:p>
+            <a:pPr lvl="1"/>
             <a:endParaRPr lang="en-US" dirty="0"/>
           </a:p>
-          <a:p>
-            <a:endParaRPr lang="en-US" dirty="0"/>
-          </a:p>
-          <a:p>
-            <a:endParaRPr lang="en-US" dirty="0"/>
-          </a:p>
         </p:txBody>
       </p:sp>
       <p:sp>
@@ -6013,7 +7049,7 @@
           <p:cNvPr id="4" name="Flowchart: Connector 3">
             <a:extLst>
               <a:ext uri="{FF2B5EF4-FFF2-40B4-BE49-F238E27FC236}">
-                <a16:creationId xmlns:a16="http://schemas.microsoft.com/office/drawing/2014/main" id="{91BE0CD7-ADA3-B46B-7DCB-C7ED4F1C2FC4}"/>
+                <a16:creationId xmlns:a16="http://schemas.microsoft.com/office/drawing/2014/main" id="{10A72261-BB5C-9151-7E12-4DC6B248FFA3}"/>
               </a:ext>
             </a:extLst>
           </p:cNvPr>
@@ -6022,7 +7058,7 @@
         </p:nvSpPr>
         <p:spPr>
           <a:xfrm>
-            <a:off x="438572" y="537339"/>
+            <a:off x="419946" y="548670"/>
             <a:ext cx="914400" cy="914400"/>
           </a:xfrm>
           <a:prstGeom prst="flowChartConnector">
@@ -6064,10 +7100,10 @@
       </p:sp>
       <p:pic>
         <p:nvPicPr>
-          <p:cNvPr id="5" name="Graphic 4" descr="Server with solid fill">
-            <a:extLst>
-              <a:ext uri="{FF2B5EF4-FFF2-40B4-BE49-F238E27FC236}">
-                <a16:creationId xmlns:a16="http://schemas.microsoft.com/office/drawing/2014/main" id="{0C9188DA-93CC-7BA8-5592-243C26C10F70}"/>
+          <p:cNvPr id="5" name="Picture 4">
+            <a:extLst>
+              <a:ext uri="{FF2B5EF4-FFF2-40B4-BE49-F238E27FC236}">
+                <a16:creationId xmlns:a16="http://schemas.microsoft.com/office/drawing/2014/main" id="{EE2CF7FB-1017-AE2F-236E-0DB49AF4B008}"/>
               </a:ext>
             </a:extLst>
           </p:cNvPr>
@@ -6077,13 +7113,20 @@
           <p:nvPr/>
         </p:nvPicPr>
         <p:blipFill>
-          <a:blip r:embed="rId3">
-            <a:extLst>
-              <a:ext uri="{28A0092B-C50C-407E-A947-70E740481C1C}">
-                <a14:useLocalDpi xmlns:a14="http://schemas.microsoft.com/office/drawing/2010/main" val="0"/>
-              </a:ext>
-              <a:ext uri="{96DAC541-7B7A-43D3-8B79-37D633B846F1}">
-                <asvg:svgBlip xmlns:asvg="http://schemas.microsoft.com/office/drawing/2016/SVG/main" r:embed="rId4"/>
+          <a:blip r:embed="rId2">
+            <a:extLst>
+              <a:ext uri="{BEBA8EAE-BF5A-486C-A8C5-ECC9F3942E4B}">
+                <a14:imgProps xmlns:a14="http://schemas.microsoft.com/office/drawing/2010/main">
+                  <a14:imgLayer r:embed="rId3">
+                    <a14:imgEffect>
+                      <a14:backgroundRemoval t="10000" b="90000" l="10000" r="90000">
+                        <a14:foregroundMark x1="74222" y1="30222" x2="71556" y2="26222"/>
+                        <a14:foregroundMark x1="65778" y1="45333" x2="63111" y2="57778"/>
+                        <a14:foregroundMark x1="55111" y1="50667" x2="51111" y2="56000"/>
+                      </a14:backgroundRemoval>
+                    </a14:imgEffect>
+                  </a14:imgLayer>
+                </a14:imgProps>
               </a:ext>
             </a:extLst>
           </a:blip>
@@ -6093,8 +7136,8 @@
         </p:blipFill>
         <p:spPr>
           <a:xfrm>
-            <a:off x="654834" y="735224"/>
-            <a:ext cx="506307" cy="506307"/>
+            <a:off x="444554" y="573278"/>
+            <a:ext cx="865183" cy="865183"/>
           </a:xfrm>
           <a:prstGeom prst="rect">
             <a:avLst/>
@@ -6104,7 +7147,7 @@
     </p:spTree>
     <p:extLst>
       <p:ext uri="{BB962C8B-B14F-4D97-AF65-F5344CB8AC3E}">
-        <p14:creationId xmlns:p14="http://schemas.microsoft.com/office/powerpoint/2010/main" val="114173537"/>
+        <p14:creationId xmlns:p14="http://schemas.microsoft.com/office/powerpoint/2010/main" val="1314678001"/>
       </p:ext>
     </p:extLst>
   </p:cSld>
@@ -6149,8 +7192,8 @@
         </p:nvSpPr>
         <p:spPr>
           <a:xfrm>
-            <a:off x="1381760" y="365125"/>
-            <a:ext cx="9972040" cy="1325563"/>
+            <a:off x="1347892" y="365125"/>
+            <a:ext cx="10005907" cy="1325563"/>
           </a:xfrm>
         </p:spPr>
         <p:txBody>
@@ -6159,7 +7202,7 @@
           <a:p>
             <a:r>
               <a:rPr lang="en-US" dirty="0"/>
-              <a:t>Clean/Explore Data</a:t>
+              <a:t>Import Data</a:t>
             </a:r>
           </a:p>
         </p:txBody>
@@ -6185,10 +7228,319 @@
           <a:bodyPr/>
           <a:lstStyle/>
           <a:p>
+            <a:r>
+              <a:rPr lang="en-US" dirty="0"/>
+              <a:t>Locate data source</a:t>
+            </a:r>
+          </a:p>
+          <a:p>
             <a:pPr lvl="1"/>
             <a:r>
               <a:rPr lang="en-US" dirty="0"/>
-              <a:t>[Snips of code cleaning data / exploring data]</a:t>
+              <a:t>Kaggle.com</a:t>
+            </a:r>
+          </a:p>
+          <a:p>
+            <a:pPr lvl="2"/>
+            <a:r>
+              <a:rPr lang="en-US" b="0" i="0" u="none" strike="noStrike" dirty="0">
+                <a:effectLst/>
+                <a:latin typeface="-apple-system"/>
+                <a:hlinkClick r:id="rId2"/>
+              </a:rPr>
+              <a:t>https://www.kaggle.com/datasets/jeffgallini/college-football-attendance-2000-to-2018</a:t>
+            </a:r>
+            <a:endParaRPr lang="en-US" b="0" i="0" u="none" strike="noStrike" dirty="0">
+              <a:effectLst/>
+              <a:latin typeface="-apple-system"/>
+            </a:endParaRPr>
+          </a:p>
+          <a:p>
+            <a:pPr marL="914400" lvl="2" indent="0">
+              <a:buNone/>
+            </a:pPr>
+            <a:endParaRPr lang="en-US" b="0" i="0" u="none" strike="noStrike" dirty="0">
+              <a:effectLst/>
+              <a:latin typeface="-apple-system"/>
+            </a:endParaRPr>
+          </a:p>
+          <a:p>
+            <a:r>
+              <a:rPr lang="en-US" dirty="0"/>
+              <a:t>Sample</a:t>
+            </a:r>
+          </a:p>
+          <a:p>
+            <a:pPr lvl="1"/>
+            <a:r>
+              <a:rPr lang="en-US" dirty="0"/>
+              <a:t>6,672 Division I CFB (College Football) games between 2000 – 2018</a:t>
+            </a:r>
+          </a:p>
+          <a:p>
+            <a:pPr marL="457200" lvl="1" indent="0">
+              <a:buNone/>
+            </a:pPr>
+            <a:endParaRPr lang="en-US" dirty="0"/>
+          </a:p>
+          <a:p>
+            <a:r>
+              <a:rPr lang="en-US" dirty="0"/>
+              <a:t>Structure</a:t>
+            </a:r>
+          </a:p>
+          <a:p>
+            <a:pPr lvl="1"/>
+            <a:r>
+              <a:rPr lang="en-US" i="0" dirty="0">
+                <a:solidFill>
+                  <a:srgbClr val="202124"/>
+                </a:solidFill>
+                <a:effectLst/>
+                <a:latin typeface="Inter"/>
+              </a:rPr>
+              <a:t>CFBeattendance.csv</a:t>
+            </a:r>
+            <a:endParaRPr lang="en-US" dirty="0"/>
+          </a:p>
+          <a:p>
+            <a:endParaRPr lang="en-US" dirty="0"/>
+          </a:p>
+          <a:p>
+            <a:endParaRPr lang="en-US" dirty="0"/>
+          </a:p>
+        </p:txBody>
+      </p:sp>
+      <p:sp>
+        <p:nvSpPr>
+          <p:cNvPr id="4" name="Flowchart: Connector 3">
+            <a:extLst>
+              <a:ext uri="{FF2B5EF4-FFF2-40B4-BE49-F238E27FC236}">
+                <a16:creationId xmlns:a16="http://schemas.microsoft.com/office/drawing/2014/main" id="{91BE0CD7-ADA3-B46B-7DCB-C7ED4F1C2FC4}"/>
+              </a:ext>
+            </a:extLst>
+          </p:cNvPr>
+          <p:cNvSpPr/>
+          <p:nvPr/>
+        </p:nvSpPr>
+        <p:spPr>
+          <a:xfrm>
+            <a:off x="438572" y="537339"/>
+            <a:ext cx="914400" cy="914400"/>
+          </a:xfrm>
+          <a:prstGeom prst="flowChartConnector">
+            <a:avLst/>
+          </a:prstGeom>
+          <a:solidFill>
+            <a:schemeClr val="bg2"/>
+          </a:solidFill>
+          <a:ln w="19050">
+            <a:solidFill>
+              <a:schemeClr val="tx2"/>
+            </a:solidFill>
+          </a:ln>
+        </p:spPr>
+        <p:style>
+          <a:lnRef idx="2">
+            <a:schemeClr val="accent1">
+              <a:shade val="50000"/>
+            </a:schemeClr>
+          </a:lnRef>
+          <a:fillRef idx="1">
+            <a:schemeClr val="accent1"/>
+          </a:fillRef>
+          <a:effectRef idx="0">
+            <a:schemeClr val="accent1"/>
+          </a:effectRef>
+          <a:fontRef idx="minor">
+            <a:schemeClr val="lt1"/>
+          </a:fontRef>
+        </p:style>
+        <p:txBody>
+          <a:bodyPr rtlCol="0" anchor="ctr"/>
+          <a:lstStyle/>
+          <a:p>
+            <a:pPr algn="ctr"/>
+            <a:endParaRPr lang="en-US"/>
+          </a:p>
+        </p:txBody>
+      </p:sp>
+      <p:pic>
+        <p:nvPicPr>
+          <p:cNvPr id="5" name="Graphic 4" descr="Server with solid fill">
+            <a:extLst>
+              <a:ext uri="{FF2B5EF4-FFF2-40B4-BE49-F238E27FC236}">
+                <a16:creationId xmlns:a16="http://schemas.microsoft.com/office/drawing/2014/main" id="{0C9188DA-93CC-7BA8-5592-243C26C10F70}"/>
+              </a:ext>
+            </a:extLst>
+          </p:cNvPr>
+          <p:cNvPicPr>
+            <a:picLocks noChangeAspect="1"/>
+          </p:cNvPicPr>
+          <p:nvPr/>
+        </p:nvPicPr>
+        <p:blipFill>
+          <a:blip r:embed="rId3">
+            <a:extLst>
+              <a:ext uri="{28A0092B-C50C-407E-A947-70E740481C1C}">
+                <a14:useLocalDpi xmlns:a14="http://schemas.microsoft.com/office/drawing/2010/main" val="0"/>
+              </a:ext>
+              <a:ext uri="{96DAC541-7B7A-43D3-8B79-37D633B846F1}">
+                <asvg:svgBlip xmlns:asvg="http://schemas.microsoft.com/office/drawing/2016/SVG/main" r:embed="rId4"/>
+              </a:ext>
+            </a:extLst>
+          </a:blip>
+          <a:stretch>
+            <a:fillRect/>
+          </a:stretch>
+        </p:blipFill>
+        <p:spPr>
+          <a:xfrm>
+            <a:off x="654834" y="735224"/>
+            <a:ext cx="506307" cy="506307"/>
+          </a:xfrm>
+          <a:prstGeom prst="rect">
+            <a:avLst/>
+          </a:prstGeom>
+        </p:spPr>
+      </p:pic>
+    </p:spTree>
+    <p:extLst>
+      <p:ext uri="{BB962C8B-B14F-4D97-AF65-F5344CB8AC3E}">
+        <p14:creationId xmlns:p14="http://schemas.microsoft.com/office/powerpoint/2010/main" val="114173537"/>
+      </p:ext>
+    </p:extLst>
+  </p:cSld>
+  <p:clrMapOvr>
+    <a:masterClrMapping/>
+  </p:clrMapOvr>
+</p:sld>
+</file>
+
+<file path=ppt/slides/slide6.xml><?xml version="1.0" encoding="utf-8"?>
+<p:sld xmlns:a="http://schemas.openxmlformats.org/drawingml/2006/main" xmlns:r="http://schemas.openxmlformats.org/officeDocument/2006/relationships" xmlns:p="http://schemas.openxmlformats.org/presentationml/2006/main">
+  <p:cSld>
+    <p:spTree>
+      <p:nvGrpSpPr>
+        <p:cNvPr id="1" name=""/>
+        <p:cNvGrpSpPr/>
+        <p:nvPr/>
+      </p:nvGrpSpPr>
+      <p:grpSpPr>
+        <a:xfrm>
+          <a:off x="0" y="0"/>
+          <a:ext cx="0" cy="0"/>
+          <a:chOff x="0" y="0"/>
+          <a:chExt cx="0" cy="0"/>
+        </a:xfrm>
+      </p:grpSpPr>
+      <p:sp>
+        <p:nvSpPr>
+          <p:cNvPr id="2" name="Title 1">
+            <a:extLst>
+              <a:ext uri="{FF2B5EF4-FFF2-40B4-BE49-F238E27FC236}">
+                <a16:creationId xmlns:a16="http://schemas.microsoft.com/office/drawing/2014/main" id="{C1E6E6BD-479F-96B5-6A07-3FFF21CC6D73}"/>
+              </a:ext>
+            </a:extLst>
+          </p:cNvPr>
+          <p:cNvSpPr>
+            <a:spLocks noGrp="1"/>
+          </p:cNvSpPr>
+          <p:nvPr>
+            <p:ph type="title"/>
+          </p:nvPr>
+        </p:nvSpPr>
+        <p:spPr>
+          <a:xfrm>
+            <a:off x="1381760" y="365125"/>
+            <a:ext cx="9972040" cy="1325563"/>
+          </a:xfrm>
+        </p:spPr>
+        <p:txBody>
+          <a:bodyPr/>
+          <a:lstStyle/>
+          <a:p>
+            <a:r>
+              <a:rPr lang="en-US" dirty="0"/>
+              <a:t>Clean/Explore Data</a:t>
+            </a:r>
+          </a:p>
+        </p:txBody>
+      </p:sp>
+      <p:sp>
+        <p:nvSpPr>
+          <p:cNvPr id="3" name="Content Placeholder 2">
+            <a:extLst>
+              <a:ext uri="{FF2B5EF4-FFF2-40B4-BE49-F238E27FC236}">
+                <a16:creationId xmlns:a16="http://schemas.microsoft.com/office/drawing/2014/main" id="{31321336-FD2F-82D3-6FC9-946AD68BBC15}"/>
+              </a:ext>
+            </a:extLst>
+          </p:cNvPr>
+          <p:cNvSpPr>
+            <a:spLocks noGrp="1"/>
+          </p:cNvSpPr>
+          <p:nvPr>
+            <p:ph idx="1"/>
+          </p:nvPr>
+        </p:nvSpPr>
+        <p:spPr/>
+        <p:txBody>
+          <a:bodyPr/>
+          <a:lstStyle/>
+          <a:p>
+            <a:pPr lvl="2"/>
+            <a:r>
+              <a:rPr lang="en-US" dirty="0"/>
+              <a:t>Checked for missing values</a:t>
+            </a:r>
+          </a:p>
+          <a:p>
+            <a:pPr lvl="2"/>
+            <a:r>
+              <a:rPr lang="en-US" dirty="0"/>
+              <a:t>Reviewed column data types</a:t>
+            </a:r>
+          </a:p>
+          <a:p>
+            <a:pPr lvl="2"/>
+            <a:r>
+              <a:rPr lang="en-US" dirty="0"/>
+              <a:t>Parsed out Results column</a:t>
+            </a:r>
+          </a:p>
+          <a:p>
+            <a:pPr lvl="3"/>
+            <a:r>
+              <a:rPr lang="en-US" dirty="0"/>
+              <a:t>Removed Spring games with winner labeled as a color</a:t>
+            </a:r>
+          </a:p>
+          <a:p>
+            <a:pPr lvl="3"/>
+            <a:r>
+              <a:rPr lang="en-US" dirty="0"/>
+              <a:t>Removed games that went into overtime</a:t>
+            </a:r>
+          </a:p>
+          <a:p>
+            <a:pPr lvl="3"/>
+            <a:r>
+              <a:rPr lang="en-US" dirty="0"/>
+              <a:t>Removed games that were not finished or vacated</a:t>
+            </a:r>
+          </a:p>
+          <a:p>
+            <a:pPr lvl="4"/>
+            <a:r>
+              <a:rPr lang="en-US" dirty="0"/>
+              <a:t>Started with 6,672 rows</a:t>
+            </a:r>
+          </a:p>
+          <a:p>
+            <a:pPr lvl="4"/>
+            <a:r>
+              <a:rPr lang="en-US" dirty="0"/>
+              <a:t>Ended with 6,309 rows</a:t>
             </a:r>
           </a:p>
         </p:txBody>
@@ -6320,7 +7672,7 @@
 </p:sld>
 </file>
 
-<file path=ppt/slides/slide6.xml><?xml version="1.0" encoding="utf-8"?>
+<file path=ppt/slides/slide7.xml><?xml version="1.0" encoding="utf-8"?>
 <p:sld xmlns:a="http://schemas.openxmlformats.org/drawingml/2006/main" xmlns:r="http://schemas.openxmlformats.org/officeDocument/2006/relationships" xmlns:p="http://schemas.openxmlformats.org/presentationml/2006/main" show="0">
   <p:cSld>
     <p:spTree>
@@ -6543,7 +7895,7 @@
 </p:sld>
 </file>
 
-<file path=ppt/slides/slide7.xml><?xml version="1.0" encoding="utf-8"?>
+<file path=ppt/slides/slide8.xml><?xml version="1.0" encoding="utf-8"?>
 <p:sld xmlns:a="http://schemas.openxmlformats.org/drawingml/2006/main" xmlns:r="http://schemas.openxmlformats.org/officeDocument/2006/relationships" xmlns:p="http://schemas.openxmlformats.org/presentationml/2006/main" show="0">
   <p:cSld>
     <p:spTree>
@@ -6764,7 +8116,7 @@
 </p:sld>
 </file>
 
-<file path=ppt/slides/slide8.xml><?xml version="1.0" encoding="utf-8"?>
+<file path=ppt/slides/slide9.xml><?xml version="1.0" encoding="utf-8"?>
 <p:sld xmlns:a="http://schemas.openxmlformats.org/drawingml/2006/main" xmlns:r="http://schemas.openxmlformats.org/officeDocument/2006/relationships" xmlns:p="http://schemas.openxmlformats.org/presentationml/2006/main">
   <p:cSld>
     <p:spTree>
@@ -7001,216 +8353,6 @@
     <p:extLst>
       <p:ext uri="{BB962C8B-B14F-4D97-AF65-F5344CB8AC3E}">
         <p14:creationId xmlns:p14="http://schemas.microsoft.com/office/powerpoint/2010/main" val="2673536886"/>
-      </p:ext>
-    </p:extLst>
-  </p:cSld>
-  <p:clrMapOvr>
-    <a:masterClrMapping/>
-  </p:clrMapOvr>
-</p:sld>
-</file>
-
-<file path=ppt/slides/slide9.xml><?xml version="1.0" encoding="utf-8"?>
-<p:sld xmlns:a="http://schemas.openxmlformats.org/drawingml/2006/main" xmlns:r="http://schemas.openxmlformats.org/officeDocument/2006/relationships" xmlns:p="http://schemas.openxmlformats.org/presentationml/2006/main">
-  <p:cSld>
-    <p:spTree>
-      <p:nvGrpSpPr>
-        <p:cNvPr id="1" name=""/>
-        <p:cNvGrpSpPr/>
-        <p:nvPr/>
-      </p:nvGrpSpPr>
-      <p:grpSpPr>
-        <a:xfrm>
-          <a:off x="0" y="0"/>
-          <a:ext cx="0" cy="0"/>
-          <a:chOff x="0" y="0"/>
-          <a:chExt cx="0" cy="0"/>
-        </a:xfrm>
-      </p:grpSpPr>
-      <p:sp>
-        <p:nvSpPr>
-          <p:cNvPr id="2" name="Title 1">
-            <a:extLst>
-              <a:ext uri="{FF2B5EF4-FFF2-40B4-BE49-F238E27FC236}">
-                <a16:creationId xmlns:a16="http://schemas.microsoft.com/office/drawing/2014/main" id="{C1E6E6BD-479F-96B5-6A07-3FFF21CC6D73}"/>
-              </a:ext>
-            </a:extLst>
-          </p:cNvPr>
-          <p:cNvSpPr>
-            <a:spLocks noGrp="1"/>
-          </p:cNvSpPr>
-          <p:nvPr>
-            <p:ph type="title"/>
-          </p:nvPr>
-        </p:nvSpPr>
-        <p:spPr>
-          <a:xfrm>
-            <a:off x="1287812" y="365125"/>
-            <a:ext cx="10065987" cy="1325563"/>
-          </a:xfrm>
-        </p:spPr>
-        <p:txBody>
-          <a:bodyPr/>
-          <a:lstStyle/>
-          <a:p>
-            <a:r>
-              <a:rPr lang="en-US" dirty="0"/>
-              <a:t>Report Results</a:t>
-            </a:r>
-          </a:p>
-        </p:txBody>
-      </p:sp>
-      <p:sp>
-        <p:nvSpPr>
-          <p:cNvPr id="3" name="Content Placeholder 2">
-            <a:extLst>
-              <a:ext uri="{FF2B5EF4-FFF2-40B4-BE49-F238E27FC236}">
-                <a16:creationId xmlns:a16="http://schemas.microsoft.com/office/drawing/2014/main" id="{31321336-FD2F-82D3-6FC9-946AD68BBC15}"/>
-              </a:ext>
-            </a:extLst>
-          </p:cNvPr>
-          <p:cNvSpPr>
-            <a:spLocks noGrp="1"/>
-          </p:cNvSpPr>
-          <p:nvPr>
-            <p:ph idx="1"/>
-          </p:nvPr>
-        </p:nvSpPr>
-        <p:spPr/>
-        <p:txBody>
-          <a:bodyPr/>
-          <a:lstStyle/>
-          <a:p>
-            <a:r>
-              <a:rPr lang="en-US" b="0" i="0" dirty="0">
-                <a:solidFill>
-                  <a:srgbClr val="24292F"/>
-                </a:solidFill>
-                <a:effectLst/>
-                <a:latin typeface="-apple-system"/>
-              </a:rPr>
-              <a:t>Does attendance/fill rate affect home team winning?</a:t>
-            </a:r>
-          </a:p>
-        </p:txBody>
-      </p:sp>
-      <p:sp>
-        <p:nvSpPr>
-          <p:cNvPr id="4" name="Flowchart: Connector 3">
-            <a:extLst>
-              <a:ext uri="{FF2B5EF4-FFF2-40B4-BE49-F238E27FC236}">
-                <a16:creationId xmlns:a16="http://schemas.microsoft.com/office/drawing/2014/main" id="{C850D8B2-9E0E-4A31-76B0-1A7BF2CDDD14}"/>
-              </a:ext>
-            </a:extLst>
-          </p:cNvPr>
-          <p:cNvSpPr/>
-          <p:nvPr/>
-        </p:nvSpPr>
-        <p:spPr>
-          <a:xfrm>
-            <a:off x="373413" y="510606"/>
-            <a:ext cx="914400" cy="914400"/>
-          </a:xfrm>
-          <a:prstGeom prst="flowChartConnector">
-            <a:avLst/>
-          </a:prstGeom>
-          <a:solidFill>
-            <a:schemeClr val="bg2"/>
-          </a:solidFill>
-          <a:ln w="19050">
-            <a:solidFill>
-              <a:schemeClr val="tx2"/>
-            </a:solidFill>
-          </a:ln>
-        </p:spPr>
-        <p:style>
-          <a:lnRef idx="2">
-            <a:schemeClr val="accent1">
-              <a:shade val="50000"/>
-            </a:schemeClr>
-          </a:lnRef>
-          <a:fillRef idx="1">
-            <a:schemeClr val="accent1"/>
-          </a:fillRef>
-          <a:effectRef idx="0">
-            <a:schemeClr val="accent1"/>
-          </a:effectRef>
-          <a:fontRef idx="minor">
-            <a:schemeClr val="lt1"/>
-          </a:fontRef>
-        </p:style>
-        <p:txBody>
-          <a:bodyPr rtlCol="0" anchor="ctr"/>
-          <a:lstStyle/>
-          <a:p>
-            <a:pPr algn="ctr"/>
-            <a:endParaRPr lang="en-US"/>
-          </a:p>
-        </p:txBody>
-      </p:sp>
-      <p:pic>
-        <p:nvPicPr>
-          <p:cNvPr id="5" name="Picture 4">
-            <a:extLst>
-              <a:ext uri="{FF2B5EF4-FFF2-40B4-BE49-F238E27FC236}">
-                <a16:creationId xmlns:a16="http://schemas.microsoft.com/office/drawing/2014/main" id="{B6F95251-55AE-4B4D-F3E7-A28529DFA6B2}"/>
-              </a:ext>
-            </a:extLst>
-          </p:cNvPr>
-          <p:cNvPicPr>
-            <a:picLocks noChangeAspect="1"/>
-          </p:cNvPicPr>
-          <p:nvPr/>
-        </p:nvPicPr>
-        <p:blipFill>
-          <a:blip r:embed="rId2">
-            <a:grayscl/>
-            <a:extLst>
-              <a:ext uri="{BEBA8EAE-BF5A-486C-A8C5-ECC9F3942E4B}">
-                <a14:imgProps xmlns:a14="http://schemas.microsoft.com/office/drawing/2010/main">
-                  <a14:imgLayer r:embed="rId3">
-                    <a14:imgEffect>
-                      <a14:backgroundRemoval t="10000" b="90000" l="10000" r="90000">
-                        <a14:foregroundMark x1="52889" y1="39556" x2="52889" y2="39556"/>
-                        <a14:foregroundMark x1="58667" y1="37778" x2="58667" y2="37778"/>
-                        <a14:foregroundMark x1="56444" y1="42222" x2="56444" y2="42222"/>
-                        <a14:foregroundMark x1="66667" y1="45778" x2="66667" y2="45778"/>
-                        <a14:foregroundMark x1="61333" y1="51556" x2="61333" y2="51556"/>
-                        <a14:foregroundMark x1="60000" y1="56000" x2="60000" y2="56000"/>
-                        <a14:foregroundMark x1="55111" y1="52889" x2="55111" y2="52889"/>
-                        <a14:foregroundMark x1="53778" y1="58222" x2="53778" y2="58222"/>
-                        <a14:foregroundMark x1="49778" y1="62667" x2="49778" y2="62667"/>
-                        <a14:foregroundMark x1="43111" y1="60000" x2="43111" y2="60000"/>
-                        <a14:foregroundMark x1="39111" y1="64889" x2="39111" y2="64889"/>
-                        <a14:foregroundMark x1="39111" y1="51556" x2="39111" y2="51556"/>
-                        <a14:foregroundMark x1="44000" y1="52444" x2="44000" y2="52444"/>
-                        <a14:foregroundMark x1="45333" y1="47556" x2="45333" y2="47556"/>
-                        <a14:foregroundMark x1="50222" y1="44444" x2="50222" y2="44444"/>
-                      </a14:backgroundRemoval>
-                    </a14:imgEffect>
-                  </a14:imgLayer>
-                </a14:imgProps>
-              </a:ext>
-            </a:extLst>
-          </a:blip>
-          <a:stretch>
-            <a:fillRect/>
-          </a:stretch>
-        </p:blipFill>
-        <p:spPr>
-          <a:xfrm>
-            <a:off x="130387" y="275062"/>
-            <a:ext cx="1415626" cy="1415626"/>
-          </a:xfrm>
-          <a:prstGeom prst="rect">
-            <a:avLst/>
-          </a:prstGeom>
-        </p:spPr>
-      </p:pic>
-    </p:spTree>
-    <p:extLst>
-      <p:ext uri="{BB962C8B-B14F-4D97-AF65-F5344CB8AC3E}">
-        <p14:creationId xmlns:p14="http://schemas.microsoft.com/office/powerpoint/2010/main" val="198487671"/>
       </p:ext>
     </p:extLst>
   </p:cSld>
